--- a/src/kangyoungjun/[H4]리눅스.pptx
+++ b/src/kangyoungjun/[H4]리눅스.pptx
@@ -5,12 +5,16 @@
     <p:sldMasterId id="2147483660" r:id="rId1"/>
   </p:sldMasterIdLst>
   <p:sldIdLst>
-    <p:sldId id="257" r:id="rId2"/>
-    <p:sldId id="261" r:id="rId3"/>
-    <p:sldId id="260" r:id="rId4"/>
-    <p:sldId id="263" r:id="rId5"/>
-    <p:sldId id="264" r:id="rId6"/>
-    <p:sldId id="265" r:id="rId7"/>
+    <p:sldId id="266" r:id="rId2"/>
+    <p:sldId id="257" r:id="rId3"/>
+    <p:sldId id="261" r:id="rId4"/>
+    <p:sldId id="260" r:id="rId5"/>
+    <p:sldId id="263" r:id="rId6"/>
+    <p:sldId id="264" r:id="rId7"/>
+    <p:sldId id="267" r:id="rId8"/>
+    <p:sldId id="268" r:id="rId9"/>
+    <p:sldId id="269" r:id="rId10"/>
+    <p:sldId id="265" r:id="rId11"/>
   </p:sldIdLst>
   <p:sldSz cx="9144000" cy="6858000" type="screen4x3"/>
   <p:notesSz cx="6858000" cy="9144000"/>
@@ -109,6 +113,11 @@
       </a:defRPr>
     </a:lvl9pPr>
   </p:defaultTextStyle>
+  <p:extLst>
+    <p:ext uri="{EFAFB233-063F-42B5-8137-9DF3F51BA10A}">
+      <p15:sldGuideLst xmlns:p15="http://schemas.microsoft.com/office/powerpoint/2012/main"/>
+    </p:ext>
+  </p:extLst>
 </p:presentation>
 </file>
 
@@ -243,7 +252,7 @@
           <a:p>
             <a:fld id="{422B21AE-2F9D-43AB-8C6E-DBB37BA02CD4}" type="datetimeFigureOut">
               <a:rPr lang="ko-KR" altLang="en-US" smtClean="0"/>
-              <a:t>2019-02-24</a:t>
+              <a:t>2019-02-26</a:t>
             </a:fld>
             <a:endParaRPr lang="ko-KR" altLang="en-US"/>
           </a:p>
@@ -413,7 +422,7 @@
           <a:p>
             <a:fld id="{422B21AE-2F9D-43AB-8C6E-DBB37BA02CD4}" type="datetimeFigureOut">
               <a:rPr lang="ko-KR" altLang="en-US" smtClean="0"/>
-              <a:t>2019-02-24</a:t>
+              <a:t>2019-02-26</a:t>
             </a:fld>
             <a:endParaRPr lang="ko-KR" altLang="en-US"/>
           </a:p>
@@ -593,7 +602,7 @@
           <a:p>
             <a:fld id="{422B21AE-2F9D-43AB-8C6E-DBB37BA02CD4}" type="datetimeFigureOut">
               <a:rPr lang="ko-KR" altLang="en-US" smtClean="0"/>
-              <a:t>2019-02-24</a:t>
+              <a:t>2019-02-26</a:t>
             </a:fld>
             <a:endParaRPr lang="ko-KR" altLang="en-US"/>
           </a:p>
@@ -763,7 +772,7 @@
           <a:p>
             <a:fld id="{422B21AE-2F9D-43AB-8C6E-DBB37BA02CD4}" type="datetimeFigureOut">
               <a:rPr lang="ko-KR" altLang="en-US" smtClean="0"/>
-              <a:t>2019-02-24</a:t>
+              <a:t>2019-02-26</a:t>
             </a:fld>
             <a:endParaRPr lang="ko-KR" altLang="en-US"/>
           </a:p>
@@ -1007,7 +1016,7 @@
           <a:p>
             <a:fld id="{422B21AE-2F9D-43AB-8C6E-DBB37BA02CD4}" type="datetimeFigureOut">
               <a:rPr lang="ko-KR" altLang="en-US" smtClean="0"/>
-              <a:t>2019-02-24</a:t>
+              <a:t>2019-02-26</a:t>
             </a:fld>
             <a:endParaRPr lang="ko-KR" altLang="en-US"/>
           </a:p>
@@ -1239,7 +1248,7 @@
           <a:p>
             <a:fld id="{422B21AE-2F9D-43AB-8C6E-DBB37BA02CD4}" type="datetimeFigureOut">
               <a:rPr lang="ko-KR" altLang="en-US" smtClean="0"/>
-              <a:t>2019-02-24</a:t>
+              <a:t>2019-02-26</a:t>
             </a:fld>
             <a:endParaRPr lang="ko-KR" altLang="en-US"/>
           </a:p>
@@ -1606,7 +1615,7 @@
           <a:p>
             <a:fld id="{422B21AE-2F9D-43AB-8C6E-DBB37BA02CD4}" type="datetimeFigureOut">
               <a:rPr lang="ko-KR" altLang="en-US" smtClean="0"/>
-              <a:t>2019-02-24</a:t>
+              <a:t>2019-02-26</a:t>
             </a:fld>
             <a:endParaRPr lang="ko-KR" altLang="en-US"/>
           </a:p>
@@ -1724,7 +1733,7 @@
           <a:p>
             <a:fld id="{422B21AE-2F9D-43AB-8C6E-DBB37BA02CD4}" type="datetimeFigureOut">
               <a:rPr lang="ko-KR" altLang="en-US" smtClean="0"/>
-              <a:t>2019-02-24</a:t>
+              <a:t>2019-02-26</a:t>
             </a:fld>
             <a:endParaRPr lang="ko-KR" altLang="en-US"/>
           </a:p>
@@ -1819,7 +1828,7 @@
           <a:p>
             <a:fld id="{422B21AE-2F9D-43AB-8C6E-DBB37BA02CD4}" type="datetimeFigureOut">
               <a:rPr lang="ko-KR" altLang="en-US" smtClean="0"/>
-              <a:t>2019-02-24</a:t>
+              <a:t>2019-02-26</a:t>
             </a:fld>
             <a:endParaRPr lang="ko-KR" altLang="en-US"/>
           </a:p>
@@ -2096,7 +2105,7 @@
           <a:p>
             <a:fld id="{422B21AE-2F9D-43AB-8C6E-DBB37BA02CD4}" type="datetimeFigureOut">
               <a:rPr lang="ko-KR" altLang="en-US" smtClean="0"/>
-              <a:t>2019-02-24</a:t>
+              <a:t>2019-02-26</a:t>
             </a:fld>
             <a:endParaRPr lang="ko-KR" altLang="en-US"/>
           </a:p>
@@ -2353,7 +2362,7 @@
           <a:p>
             <a:fld id="{422B21AE-2F9D-43AB-8C6E-DBB37BA02CD4}" type="datetimeFigureOut">
               <a:rPr lang="ko-KR" altLang="en-US" smtClean="0"/>
-              <a:t>2019-02-24</a:t>
+              <a:t>2019-02-26</a:t>
             </a:fld>
             <a:endParaRPr lang="ko-KR" altLang="en-US"/>
           </a:p>
@@ -2566,7 +2575,7 @@
           <a:p>
             <a:fld id="{422B21AE-2F9D-43AB-8C6E-DBB37BA02CD4}" type="datetimeFigureOut">
               <a:rPr lang="ko-KR" altLang="en-US" smtClean="0"/>
-              <a:t>2019-02-24</a:t>
+              <a:t>2019-02-26</a:t>
             </a:fld>
             <a:endParaRPr lang="ko-KR" altLang="en-US"/>
           </a:p>
@@ -3066,6 +3075,941 @@
           </a:p>
         </p:txBody>
       </p:sp>
+    </p:spTree>
+    <p:extLst>
+      <p:ext uri="{BB962C8B-B14F-4D97-AF65-F5344CB8AC3E}">
+        <p14:creationId xmlns:p14="http://schemas.microsoft.com/office/powerpoint/2010/main" val="777524913"/>
+      </p:ext>
+    </p:extLst>
+  </p:cSld>
+  <p:clrMapOvr>
+    <a:masterClrMapping/>
+  </p:clrMapOvr>
+</p:sld>
+</file>
+
+<file path=ppt/slides/slide10.xml><?xml version="1.0" encoding="utf-8"?>
+<p:sld xmlns:a="http://schemas.openxmlformats.org/drawingml/2006/main" xmlns:r="http://schemas.openxmlformats.org/officeDocument/2006/relationships" xmlns:p="http://schemas.openxmlformats.org/presentationml/2006/main">
+  <p:cSld>
+    <p:bg>
+      <p:bgPr>
+        <a:solidFill>
+          <a:srgbClr val="F9CDAD"/>
+        </a:solidFill>
+        <a:effectLst/>
+      </p:bgPr>
+    </p:bg>
+    <p:spTree>
+      <p:nvGrpSpPr>
+        <p:cNvPr id="1" name=""/>
+        <p:cNvGrpSpPr/>
+        <p:nvPr/>
+      </p:nvGrpSpPr>
+      <p:grpSpPr>
+        <a:xfrm>
+          <a:off x="0" y="0"/>
+          <a:ext cx="0" cy="0"/>
+          <a:chOff x="0" y="0"/>
+          <a:chExt cx="0" cy="0"/>
+        </a:xfrm>
+      </p:grpSpPr>
+      <p:sp>
+        <p:nvSpPr>
+          <p:cNvPr id="2" name="TextBox 1">
+            <a:extLst>
+              <a:ext uri="{FF2B5EF4-FFF2-40B4-BE49-F238E27FC236}">
+                <a16:creationId xmlns:a16="http://schemas.microsoft.com/office/drawing/2014/main" id="{FA96BB34-5182-449E-8FB4-55D77D5ABE0E}"/>
+              </a:ext>
+            </a:extLst>
+          </p:cNvPr>
+          <p:cNvSpPr txBox="1"/>
+          <p:nvPr/>
+        </p:nvSpPr>
+        <p:spPr>
+          <a:xfrm>
+            <a:off x="1073790" y="0"/>
+            <a:ext cx="5159229" cy="1938992"/>
+          </a:xfrm>
+          <a:prstGeom prst="rect">
+            <a:avLst/>
+          </a:prstGeom>
+          <a:noFill/>
+        </p:spPr>
+        <p:txBody>
+          <a:bodyPr wrap="square" rtlCol="0">
+            <a:spAutoFit/>
+          </a:bodyPr>
+          <a:lstStyle/>
+          <a:p>
+            <a:r>
+              <a:rPr lang="en-US" altLang="ko-KR" sz="12000">
+                <a:solidFill>
+                  <a:srgbClr val="83AF9B"/>
+                </a:solidFill>
+                <a:latin typeface="Impact" panose="020B0806030902050204" pitchFamily="34" charset="0"/>
+              </a:rPr>
+              <a:t>LINUX</a:t>
+            </a:r>
+            <a:endParaRPr lang="ko-KR" altLang="en-US" sz="12000">
+              <a:solidFill>
+                <a:srgbClr val="83AF9B"/>
+              </a:solidFill>
+              <a:latin typeface="Impact" panose="020B0806030902050204" pitchFamily="34" charset="0"/>
+            </a:endParaRPr>
+          </a:p>
+        </p:txBody>
+      </p:sp>
+      <p:sp>
+        <p:nvSpPr>
+          <p:cNvPr id="8" name="TextBox 7">
+            <a:extLst>
+              <a:ext uri="{FF2B5EF4-FFF2-40B4-BE49-F238E27FC236}">
+                <a16:creationId xmlns:a16="http://schemas.microsoft.com/office/drawing/2014/main" id="{C0468962-9771-4759-AE44-E1DD5C2255FF}"/>
+              </a:ext>
+            </a:extLst>
+          </p:cNvPr>
+          <p:cNvSpPr txBox="1"/>
+          <p:nvPr/>
+        </p:nvSpPr>
+        <p:spPr>
+          <a:xfrm>
+            <a:off x="419100" y="1904999"/>
+            <a:ext cx="8724900" cy="769441"/>
+          </a:xfrm>
+          <a:prstGeom prst="rect">
+            <a:avLst/>
+          </a:prstGeom>
+          <a:noFill/>
+        </p:spPr>
+        <p:txBody>
+          <a:bodyPr wrap="square" rtlCol="0">
+            <a:spAutoFit/>
+          </a:bodyPr>
+          <a:lstStyle/>
+          <a:p>
+            <a:r>
+              <a:rPr lang="ko-KR" altLang="en-US" sz="4400">
+                <a:solidFill>
+                  <a:schemeClr val="bg1">
+                    <a:lumMod val="95000"/>
+                  </a:schemeClr>
+                </a:solidFill>
+                <a:latin typeface="-윤고딕330" panose="02030504000101010101" pitchFamily="18" charset="-127"/>
+                <a:ea typeface="-윤고딕330" panose="02030504000101010101" pitchFamily="18" charset="-127"/>
+              </a:rPr>
+              <a:t>리눅스의 의의</a:t>
+            </a:r>
+            <a:endParaRPr lang="en-US" altLang="ko-KR" sz="4400">
+              <a:solidFill>
+                <a:schemeClr val="bg1">
+                  <a:lumMod val="95000"/>
+                </a:schemeClr>
+              </a:solidFill>
+              <a:latin typeface="-윤고딕330" panose="02030504000101010101" pitchFamily="18" charset="-127"/>
+              <a:ea typeface="-윤고딕330" panose="02030504000101010101" pitchFamily="18" charset="-127"/>
+            </a:endParaRPr>
+          </a:p>
+        </p:txBody>
+      </p:sp>
+      <p:sp>
+        <p:nvSpPr>
+          <p:cNvPr id="10" name="TextBox 9">
+            <a:extLst>
+              <a:ext uri="{FF2B5EF4-FFF2-40B4-BE49-F238E27FC236}">
+                <a16:creationId xmlns:a16="http://schemas.microsoft.com/office/drawing/2014/main" id="{C8FE1E66-CC0C-48C0-858E-349F569A8EE7}"/>
+              </a:ext>
+            </a:extLst>
+          </p:cNvPr>
+          <p:cNvSpPr txBox="1"/>
+          <p:nvPr/>
+        </p:nvSpPr>
+        <p:spPr>
+          <a:xfrm>
+            <a:off x="419100" y="2692448"/>
+            <a:ext cx="8343900" cy="2893100"/>
+          </a:xfrm>
+          <a:prstGeom prst="rect">
+            <a:avLst/>
+          </a:prstGeom>
+          <a:noFill/>
+        </p:spPr>
+        <p:txBody>
+          <a:bodyPr wrap="square" rtlCol="0">
+            <a:spAutoFit/>
+          </a:bodyPr>
+          <a:lstStyle/>
+          <a:p>
+            <a:r>
+              <a:rPr lang="ko-KR" altLang="en-US" sz="2600">
+                <a:solidFill>
+                  <a:schemeClr val="tx1">
+                    <a:lumMod val="65000"/>
+                    <a:lumOff val="35000"/>
+                  </a:schemeClr>
+                </a:solidFill>
+                <a:latin typeface="-윤고딕330" panose="02030504000101010101" pitchFamily="18" charset="-127"/>
+                <a:ea typeface="-윤고딕330" panose="02030504000101010101" pitchFamily="18" charset="-127"/>
+              </a:rPr>
+              <a:t>  현재 우리 모두가 사용하고 있는</a:t>
+            </a:r>
+            <a:r>
+              <a:rPr lang="en-US" altLang="ko-KR" sz="2600">
+                <a:solidFill>
+                  <a:schemeClr val="tx1">
+                    <a:lumMod val="65000"/>
+                    <a:lumOff val="35000"/>
+                  </a:schemeClr>
+                </a:solidFill>
+                <a:latin typeface="-윤고딕330" panose="02030504000101010101" pitchFamily="18" charset="-127"/>
+                <a:ea typeface="-윤고딕330" panose="02030504000101010101" pitchFamily="18" charset="-127"/>
+              </a:rPr>
+              <a:t> ‘</a:t>
+            </a:r>
+            <a:r>
+              <a:rPr lang="ko-KR" altLang="en-US" sz="2600">
+                <a:solidFill>
+                  <a:schemeClr val="tx1">
+                    <a:lumMod val="65000"/>
+                    <a:lumOff val="35000"/>
+                  </a:schemeClr>
+                </a:solidFill>
+                <a:latin typeface="-윤고딕330" panose="02030504000101010101" pitchFamily="18" charset="-127"/>
+                <a:ea typeface="-윤고딕330" panose="02030504000101010101" pitchFamily="18" charset="-127"/>
+              </a:rPr>
+              <a:t>안드로이드</a:t>
+            </a:r>
+            <a:r>
+              <a:rPr lang="en-US" altLang="ko-KR" sz="2600">
+                <a:solidFill>
+                  <a:schemeClr val="tx1">
+                    <a:lumMod val="65000"/>
+                    <a:lumOff val="35000"/>
+                  </a:schemeClr>
+                </a:solidFill>
+                <a:latin typeface="-윤고딕330" panose="02030504000101010101" pitchFamily="18" charset="-127"/>
+                <a:ea typeface="-윤고딕330" panose="02030504000101010101" pitchFamily="18" charset="-127"/>
+              </a:rPr>
+              <a:t>’ </a:t>
+            </a:r>
+            <a:r>
+              <a:rPr lang="ko-KR" altLang="en-US" sz="2600">
+                <a:solidFill>
+                  <a:schemeClr val="tx1">
+                    <a:lumMod val="65000"/>
+                    <a:lumOff val="35000"/>
+                  </a:schemeClr>
+                </a:solidFill>
+                <a:latin typeface="-윤고딕330" panose="02030504000101010101" pitchFamily="18" charset="-127"/>
+                <a:ea typeface="-윤고딕330" panose="02030504000101010101" pitchFamily="18" charset="-127"/>
+              </a:rPr>
+              <a:t>조차 리눅스의 배포판의 일종임을 감안할 때</a:t>
+            </a:r>
+            <a:r>
+              <a:rPr lang="en-US" altLang="ko-KR" sz="2600">
+                <a:solidFill>
+                  <a:schemeClr val="tx1">
+                    <a:lumMod val="65000"/>
+                    <a:lumOff val="35000"/>
+                  </a:schemeClr>
+                </a:solidFill>
+                <a:latin typeface="-윤고딕330" panose="02030504000101010101" pitchFamily="18" charset="-127"/>
+                <a:ea typeface="-윤고딕330" panose="02030504000101010101" pitchFamily="18" charset="-127"/>
+              </a:rPr>
+              <a:t>, IT </a:t>
+            </a:r>
+            <a:r>
+              <a:rPr lang="ko-KR" altLang="en-US" sz="2600">
+                <a:solidFill>
+                  <a:schemeClr val="tx1">
+                    <a:lumMod val="65000"/>
+                    <a:lumOff val="35000"/>
+                  </a:schemeClr>
+                </a:solidFill>
+                <a:latin typeface="-윤고딕330" panose="02030504000101010101" pitchFamily="18" charset="-127"/>
+                <a:ea typeface="-윤고딕330" panose="02030504000101010101" pitchFamily="18" charset="-127"/>
+              </a:rPr>
+              <a:t>산업의 발전에 매우 지대한 영향을 끼쳐왔고</a:t>
+            </a:r>
+            <a:r>
+              <a:rPr lang="en-US" altLang="ko-KR" sz="2600">
+                <a:solidFill>
+                  <a:schemeClr val="tx1">
+                    <a:lumMod val="65000"/>
+                    <a:lumOff val="35000"/>
+                  </a:schemeClr>
+                </a:solidFill>
+                <a:latin typeface="-윤고딕330" panose="02030504000101010101" pitchFamily="18" charset="-127"/>
+                <a:ea typeface="-윤고딕330" panose="02030504000101010101" pitchFamily="18" charset="-127"/>
+              </a:rPr>
+              <a:t>, </a:t>
+            </a:r>
+            <a:r>
+              <a:rPr lang="ko-KR" altLang="en-US" sz="2600">
+                <a:solidFill>
+                  <a:schemeClr val="tx1">
+                    <a:lumMod val="65000"/>
+                    <a:lumOff val="35000"/>
+                  </a:schemeClr>
+                </a:solidFill>
+                <a:latin typeface="-윤고딕330" panose="02030504000101010101" pitchFamily="18" charset="-127"/>
+                <a:ea typeface="-윤고딕330" panose="02030504000101010101" pitchFamily="18" charset="-127"/>
+              </a:rPr>
+              <a:t>현재도 그러하다</a:t>
+            </a:r>
+            <a:r>
+              <a:rPr lang="en-US" altLang="ko-KR" sz="2600">
+                <a:solidFill>
+                  <a:schemeClr val="tx1">
+                    <a:lumMod val="65000"/>
+                    <a:lumOff val="35000"/>
+                  </a:schemeClr>
+                </a:solidFill>
+                <a:latin typeface="-윤고딕330" panose="02030504000101010101" pitchFamily="18" charset="-127"/>
+                <a:ea typeface="-윤고딕330" panose="02030504000101010101" pitchFamily="18" charset="-127"/>
+              </a:rPr>
+              <a:t>.</a:t>
+            </a:r>
+          </a:p>
+          <a:p>
+            <a:endParaRPr lang="en-US" altLang="ko-KR" sz="2600">
+              <a:solidFill>
+                <a:schemeClr val="tx1">
+                  <a:lumMod val="65000"/>
+                  <a:lumOff val="35000"/>
+                </a:schemeClr>
+              </a:solidFill>
+              <a:latin typeface="-윤고딕330" panose="02030504000101010101" pitchFamily="18" charset="-127"/>
+              <a:ea typeface="-윤고딕330" panose="02030504000101010101" pitchFamily="18" charset="-127"/>
+            </a:endParaRPr>
+          </a:p>
+          <a:p>
+            <a:r>
+              <a:rPr lang="ko-KR" altLang="en-US" sz="2600">
+                <a:solidFill>
+                  <a:schemeClr val="tx1">
+                    <a:lumMod val="65000"/>
+                    <a:lumOff val="35000"/>
+                  </a:schemeClr>
+                </a:solidFill>
+                <a:latin typeface="-윤고딕330" panose="02030504000101010101" pitchFamily="18" charset="-127"/>
+                <a:ea typeface="-윤고딕330" panose="02030504000101010101" pitchFamily="18" charset="-127"/>
+              </a:rPr>
+              <a:t>  리눅스는 소스코드 공유를 전제하면서도 상업적으로도 성공했기에 앞으로도 많은 개발자들에게 영감을 주지 않을까나</a:t>
+            </a:r>
+            <a:r>
+              <a:rPr lang="en-US" altLang="ko-KR" sz="2600">
+                <a:solidFill>
+                  <a:schemeClr val="tx1">
+                    <a:lumMod val="65000"/>
+                    <a:lumOff val="35000"/>
+                  </a:schemeClr>
+                </a:solidFill>
+                <a:latin typeface="-윤고딕330" panose="02030504000101010101" pitchFamily="18" charset="-127"/>
+                <a:ea typeface="-윤고딕330" panose="02030504000101010101" pitchFamily="18" charset="-127"/>
+              </a:rPr>
+              <a:t>?!  </a:t>
+            </a:r>
+          </a:p>
+        </p:txBody>
+      </p:sp>
+      <p:sp>
+        <p:nvSpPr>
+          <p:cNvPr id="3" name="TextBox 2">
+            <a:extLst>
+              <a:ext uri="{FF2B5EF4-FFF2-40B4-BE49-F238E27FC236}">
+                <a16:creationId xmlns:a16="http://schemas.microsoft.com/office/drawing/2014/main" id="{76671FAE-ECEF-4A28-AC72-79A9F96D04A4}"/>
+              </a:ext>
+            </a:extLst>
+          </p:cNvPr>
+          <p:cNvSpPr txBox="1"/>
+          <p:nvPr/>
+        </p:nvSpPr>
+        <p:spPr>
+          <a:xfrm rot="21019025">
+            <a:off x="3967293" y="198904"/>
+            <a:ext cx="5105115" cy="1938992"/>
+          </a:xfrm>
+          <a:prstGeom prst="rect">
+            <a:avLst/>
+          </a:prstGeom>
+          <a:solidFill>
+            <a:srgbClr val="83AF9B"/>
+          </a:solidFill>
+        </p:spPr>
+        <p:txBody>
+          <a:bodyPr wrap="square" rtlCol="0">
+            <a:spAutoFit/>
+          </a:bodyPr>
+          <a:lstStyle/>
+          <a:p>
+            <a:r>
+              <a:rPr lang="en-US" altLang="ko-KR" sz="12000">
+                <a:solidFill>
+                  <a:srgbClr val="FE4365"/>
+                </a:solidFill>
+                <a:latin typeface="Impact" panose="020B0806030902050204" pitchFamily="34" charset="0"/>
+              </a:rPr>
+              <a:t>The END</a:t>
+            </a:r>
+            <a:endParaRPr lang="ko-KR" altLang="en-US" sz="12000">
+              <a:solidFill>
+                <a:srgbClr val="FE4365"/>
+              </a:solidFill>
+              <a:latin typeface="Impact" panose="020B0806030902050204" pitchFamily="34" charset="0"/>
+            </a:endParaRPr>
+          </a:p>
+        </p:txBody>
+      </p:sp>
+    </p:spTree>
+    <p:extLst>
+      <p:ext uri="{BB962C8B-B14F-4D97-AF65-F5344CB8AC3E}">
+        <p14:creationId xmlns:p14="http://schemas.microsoft.com/office/powerpoint/2010/main" val="2510430487"/>
+      </p:ext>
+    </p:extLst>
+  </p:cSld>
+  <p:clrMapOvr>
+    <a:masterClrMapping/>
+  </p:clrMapOvr>
+  <p:timing>
+    <p:tnLst>
+      <p:par>
+        <p:cTn id="1" dur="indefinite" restart="never" nodeType="tmRoot">
+          <p:childTnLst>
+            <p:seq concurrent="1" nextAc="seek">
+              <p:cTn id="2" dur="indefinite" nodeType="mainSeq">
+                <p:childTnLst>
+                  <p:par>
+                    <p:cTn id="3" fill="hold">
+                      <p:stCondLst>
+                        <p:cond delay="indefinite"/>
+                        <p:cond evt="onBegin" delay="0">
+                          <p:tn val="2"/>
+                        </p:cond>
+                      </p:stCondLst>
+                      <p:childTnLst>
+                        <p:par>
+                          <p:cTn id="4" fill="hold">
+                            <p:stCondLst>
+                              <p:cond delay="0"/>
+                            </p:stCondLst>
+                            <p:childTnLst>
+                              <p:par>
+                                <p:cTn id="5" presetID="10" presetClass="entr" presetSubtype="0" fill="hold" grpId="0" nodeType="withEffect">
+                                  <p:stCondLst>
+                                    <p:cond delay="0"/>
+                                  </p:stCondLst>
+                                  <p:childTnLst>
+                                    <p:set>
+                                      <p:cBhvr>
+                                        <p:cTn id="6" dur="1" fill="hold">
+                                          <p:stCondLst>
+                                            <p:cond delay="0"/>
+                                          </p:stCondLst>
+                                        </p:cTn>
+                                        <p:tgtEl>
+                                          <p:spTgt spid="8"/>
+                                        </p:tgtEl>
+                                        <p:attrNameLst>
+                                          <p:attrName>style.visibility</p:attrName>
+                                        </p:attrNameLst>
+                                      </p:cBhvr>
+                                      <p:to>
+                                        <p:strVal val="visible"/>
+                                      </p:to>
+                                    </p:set>
+                                    <p:animEffect transition="in" filter="fade">
+                                      <p:cBhvr>
+                                        <p:cTn id="7" dur="500"/>
+                                        <p:tgtEl>
+                                          <p:spTgt spid="8"/>
+                                        </p:tgtEl>
+                                      </p:cBhvr>
+                                    </p:animEffect>
+                                  </p:childTnLst>
+                                </p:cTn>
+                              </p:par>
+                              <p:par>
+                                <p:cTn id="8" presetID="10" presetClass="entr" presetSubtype="0" fill="hold" grpId="0" nodeType="withEffect">
+                                  <p:stCondLst>
+                                    <p:cond delay="0"/>
+                                  </p:stCondLst>
+                                  <p:iterate type="wd">
+                                    <p:tmPct val="10000"/>
+                                  </p:iterate>
+                                  <p:childTnLst>
+                                    <p:set>
+                                      <p:cBhvr>
+                                        <p:cTn id="9" dur="1" fill="hold">
+                                          <p:stCondLst>
+                                            <p:cond delay="0"/>
+                                          </p:stCondLst>
+                                        </p:cTn>
+                                        <p:tgtEl>
+                                          <p:spTgt spid="10"/>
+                                        </p:tgtEl>
+                                        <p:attrNameLst>
+                                          <p:attrName>style.visibility</p:attrName>
+                                        </p:attrNameLst>
+                                      </p:cBhvr>
+                                      <p:to>
+                                        <p:strVal val="visible"/>
+                                      </p:to>
+                                    </p:set>
+                                    <p:animEffect transition="in" filter="fade">
+                                      <p:cBhvr>
+                                        <p:cTn id="10" dur="500"/>
+                                        <p:tgtEl>
+                                          <p:spTgt spid="10"/>
+                                        </p:tgtEl>
+                                      </p:cBhvr>
+                                    </p:animEffect>
+                                  </p:childTnLst>
+                                </p:cTn>
+                              </p:par>
+                            </p:childTnLst>
+                          </p:cTn>
+                        </p:par>
+                      </p:childTnLst>
+                    </p:cTn>
+                  </p:par>
+                  <p:par>
+                    <p:cTn id="11" fill="hold">
+                      <p:stCondLst>
+                        <p:cond delay="indefinite"/>
+                      </p:stCondLst>
+                      <p:childTnLst>
+                        <p:par>
+                          <p:cTn id="12" fill="hold">
+                            <p:stCondLst>
+                              <p:cond delay="0"/>
+                            </p:stCondLst>
+                            <p:childTnLst>
+                              <p:par>
+                                <p:cTn id="13" presetID="26" presetClass="entr" presetSubtype="0" fill="hold" grpId="0" nodeType="clickEffect">
+                                  <p:stCondLst>
+                                    <p:cond delay="0"/>
+                                  </p:stCondLst>
+                                  <p:childTnLst>
+                                    <p:set>
+                                      <p:cBhvr>
+                                        <p:cTn id="14" dur="1" fill="hold">
+                                          <p:stCondLst>
+                                            <p:cond delay="0"/>
+                                          </p:stCondLst>
+                                        </p:cTn>
+                                        <p:tgtEl>
+                                          <p:spTgt spid="3"/>
+                                        </p:tgtEl>
+                                        <p:attrNameLst>
+                                          <p:attrName>style.visibility</p:attrName>
+                                        </p:attrNameLst>
+                                      </p:cBhvr>
+                                      <p:to>
+                                        <p:strVal val="visible"/>
+                                      </p:to>
+                                    </p:set>
+                                    <p:animEffect transition="in" filter="wipe(down)">
+                                      <p:cBhvr>
+                                        <p:cTn id="15" dur="580">
+                                          <p:stCondLst>
+                                            <p:cond delay="0"/>
+                                          </p:stCondLst>
+                                        </p:cTn>
+                                        <p:tgtEl>
+                                          <p:spTgt spid="3"/>
+                                        </p:tgtEl>
+                                      </p:cBhvr>
+                                    </p:animEffect>
+                                    <p:anim calcmode="lin" valueType="num">
+                                      <p:cBhvr>
+                                        <p:cTn id="16" dur="1822" tmFilter="0,0; 0.14,0.36; 0.43,0.73; 0.71,0.91; 1.0,1.0">
+                                          <p:stCondLst>
+                                            <p:cond delay="0"/>
+                                          </p:stCondLst>
+                                        </p:cTn>
+                                        <p:tgtEl>
+                                          <p:spTgt spid="3"/>
+                                        </p:tgtEl>
+                                        <p:attrNameLst>
+                                          <p:attrName>ppt_x</p:attrName>
+                                        </p:attrNameLst>
+                                      </p:cBhvr>
+                                      <p:tavLst>
+                                        <p:tav tm="0">
+                                          <p:val>
+                                            <p:strVal val="#ppt_x-0.25"/>
+                                          </p:val>
+                                        </p:tav>
+                                        <p:tav tm="100000">
+                                          <p:val>
+                                            <p:strVal val="#ppt_x"/>
+                                          </p:val>
+                                        </p:tav>
+                                      </p:tavLst>
+                                    </p:anim>
+                                    <p:anim calcmode="lin" valueType="num">
+                                      <p:cBhvr>
+                                        <p:cTn id="17" dur="664" tmFilter="0.0,0.0; 0.25,0.07; 0.50,0.2; 0.75,0.467; 1.0,1.0">
+                                          <p:stCondLst>
+                                            <p:cond delay="0"/>
+                                          </p:stCondLst>
+                                        </p:cTn>
+                                        <p:tgtEl>
+                                          <p:spTgt spid="3"/>
+                                        </p:tgtEl>
+                                        <p:attrNameLst>
+                                          <p:attrName>ppt_y</p:attrName>
+                                        </p:attrNameLst>
+                                      </p:cBhvr>
+                                      <p:tavLst>
+                                        <p:tav tm="0" fmla="#ppt_y-sin(pi*$)/3">
+                                          <p:val>
+                                            <p:fltVal val="0.5"/>
+                                          </p:val>
+                                        </p:tav>
+                                        <p:tav tm="100000">
+                                          <p:val>
+                                            <p:fltVal val="1"/>
+                                          </p:val>
+                                        </p:tav>
+                                      </p:tavLst>
+                                    </p:anim>
+                                    <p:anim calcmode="lin" valueType="num">
+                                      <p:cBhvr>
+                                        <p:cTn id="18" dur="664" tmFilter="0, 0; 0.125,0.2665; 0.25,0.4; 0.375,0.465; 0.5,0.5;  0.625,0.535; 0.75,0.6; 0.875,0.7335; 1,1">
+                                          <p:stCondLst>
+                                            <p:cond delay="664"/>
+                                          </p:stCondLst>
+                                        </p:cTn>
+                                        <p:tgtEl>
+                                          <p:spTgt spid="3"/>
+                                        </p:tgtEl>
+                                        <p:attrNameLst>
+                                          <p:attrName>ppt_y</p:attrName>
+                                        </p:attrNameLst>
+                                      </p:cBhvr>
+                                      <p:tavLst>
+                                        <p:tav tm="0" fmla="#ppt_y-sin(pi*$)/9">
+                                          <p:val>
+                                            <p:fltVal val="0"/>
+                                          </p:val>
+                                        </p:tav>
+                                        <p:tav tm="100000">
+                                          <p:val>
+                                            <p:fltVal val="1"/>
+                                          </p:val>
+                                        </p:tav>
+                                      </p:tavLst>
+                                    </p:anim>
+                                    <p:anim calcmode="lin" valueType="num">
+                                      <p:cBhvr>
+                                        <p:cTn id="19" dur="332" tmFilter="0, 0; 0.125,0.2665; 0.25,0.4; 0.375,0.465; 0.5,0.5;  0.625,0.535; 0.75,0.6; 0.875,0.7335; 1,1">
+                                          <p:stCondLst>
+                                            <p:cond delay="1324"/>
+                                          </p:stCondLst>
+                                        </p:cTn>
+                                        <p:tgtEl>
+                                          <p:spTgt spid="3"/>
+                                        </p:tgtEl>
+                                        <p:attrNameLst>
+                                          <p:attrName>ppt_y</p:attrName>
+                                        </p:attrNameLst>
+                                      </p:cBhvr>
+                                      <p:tavLst>
+                                        <p:tav tm="0" fmla="#ppt_y-sin(pi*$)/27">
+                                          <p:val>
+                                            <p:fltVal val="0"/>
+                                          </p:val>
+                                        </p:tav>
+                                        <p:tav tm="100000">
+                                          <p:val>
+                                            <p:fltVal val="1"/>
+                                          </p:val>
+                                        </p:tav>
+                                      </p:tavLst>
+                                    </p:anim>
+                                    <p:anim calcmode="lin" valueType="num">
+                                      <p:cBhvr>
+                                        <p:cTn id="20" dur="164" tmFilter="0, 0; 0.125,0.2665; 0.25,0.4; 0.375,0.465; 0.5,0.5;  0.625,0.535; 0.75,0.6; 0.875,0.7335; 1,1">
+                                          <p:stCondLst>
+                                            <p:cond delay="1656"/>
+                                          </p:stCondLst>
+                                        </p:cTn>
+                                        <p:tgtEl>
+                                          <p:spTgt spid="3"/>
+                                        </p:tgtEl>
+                                        <p:attrNameLst>
+                                          <p:attrName>ppt_y</p:attrName>
+                                        </p:attrNameLst>
+                                      </p:cBhvr>
+                                      <p:tavLst>
+                                        <p:tav tm="0" fmla="#ppt_y-sin(pi*$)/81">
+                                          <p:val>
+                                            <p:fltVal val="0"/>
+                                          </p:val>
+                                        </p:tav>
+                                        <p:tav tm="100000">
+                                          <p:val>
+                                            <p:fltVal val="1"/>
+                                          </p:val>
+                                        </p:tav>
+                                      </p:tavLst>
+                                    </p:anim>
+                                    <p:animScale>
+                                      <p:cBhvr>
+                                        <p:cTn id="21" dur="26">
+                                          <p:stCondLst>
+                                            <p:cond delay="650"/>
+                                          </p:stCondLst>
+                                        </p:cTn>
+                                        <p:tgtEl>
+                                          <p:spTgt spid="3"/>
+                                        </p:tgtEl>
+                                      </p:cBhvr>
+                                      <p:to x="100000" y="60000"/>
+                                    </p:animScale>
+                                    <p:animScale>
+                                      <p:cBhvr>
+                                        <p:cTn id="22" dur="166" decel="50000">
+                                          <p:stCondLst>
+                                            <p:cond delay="676"/>
+                                          </p:stCondLst>
+                                        </p:cTn>
+                                        <p:tgtEl>
+                                          <p:spTgt spid="3"/>
+                                        </p:tgtEl>
+                                      </p:cBhvr>
+                                      <p:to x="100000" y="100000"/>
+                                    </p:animScale>
+                                    <p:animScale>
+                                      <p:cBhvr>
+                                        <p:cTn id="23" dur="26">
+                                          <p:stCondLst>
+                                            <p:cond delay="1312"/>
+                                          </p:stCondLst>
+                                        </p:cTn>
+                                        <p:tgtEl>
+                                          <p:spTgt spid="3"/>
+                                        </p:tgtEl>
+                                      </p:cBhvr>
+                                      <p:to x="100000" y="80000"/>
+                                    </p:animScale>
+                                    <p:animScale>
+                                      <p:cBhvr>
+                                        <p:cTn id="24" dur="166" decel="50000">
+                                          <p:stCondLst>
+                                            <p:cond delay="1338"/>
+                                          </p:stCondLst>
+                                        </p:cTn>
+                                        <p:tgtEl>
+                                          <p:spTgt spid="3"/>
+                                        </p:tgtEl>
+                                      </p:cBhvr>
+                                      <p:to x="100000" y="100000"/>
+                                    </p:animScale>
+                                    <p:animScale>
+                                      <p:cBhvr>
+                                        <p:cTn id="25" dur="26">
+                                          <p:stCondLst>
+                                            <p:cond delay="1642"/>
+                                          </p:stCondLst>
+                                        </p:cTn>
+                                        <p:tgtEl>
+                                          <p:spTgt spid="3"/>
+                                        </p:tgtEl>
+                                      </p:cBhvr>
+                                      <p:to x="100000" y="90000"/>
+                                    </p:animScale>
+                                    <p:animScale>
+                                      <p:cBhvr>
+                                        <p:cTn id="26" dur="166" decel="50000">
+                                          <p:stCondLst>
+                                            <p:cond delay="1668"/>
+                                          </p:stCondLst>
+                                        </p:cTn>
+                                        <p:tgtEl>
+                                          <p:spTgt spid="3"/>
+                                        </p:tgtEl>
+                                      </p:cBhvr>
+                                      <p:to x="100000" y="100000"/>
+                                    </p:animScale>
+                                    <p:animScale>
+                                      <p:cBhvr>
+                                        <p:cTn id="27" dur="26">
+                                          <p:stCondLst>
+                                            <p:cond delay="1808"/>
+                                          </p:stCondLst>
+                                        </p:cTn>
+                                        <p:tgtEl>
+                                          <p:spTgt spid="3"/>
+                                        </p:tgtEl>
+                                      </p:cBhvr>
+                                      <p:to x="100000" y="95000"/>
+                                    </p:animScale>
+                                    <p:animScale>
+                                      <p:cBhvr>
+                                        <p:cTn id="28" dur="166" decel="50000">
+                                          <p:stCondLst>
+                                            <p:cond delay="1834"/>
+                                          </p:stCondLst>
+                                        </p:cTn>
+                                        <p:tgtEl>
+                                          <p:spTgt spid="3"/>
+                                        </p:tgtEl>
+                                      </p:cBhvr>
+                                      <p:to x="100000" y="100000"/>
+                                    </p:animScale>
+                                  </p:childTnLst>
+                                </p:cTn>
+                              </p:par>
+                            </p:childTnLst>
+                          </p:cTn>
+                        </p:par>
+                      </p:childTnLst>
+                    </p:cTn>
+                  </p:par>
+                </p:childTnLst>
+              </p:cTn>
+              <p:prevCondLst>
+                <p:cond evt="onPrev" delay="0">
+                  <p:tgtEl>
+                    <p:sldTgt/>
+                  </p:tgtEl>
+                </p:cond>
+              </p:prevCondLst>
+              <p:nextCondLst>
+                <p:cond evt="onNext" delay="0">
+                  <p:tgtEl>
+                    <p:sldTgt/>
+                  </p:tgtEl>
+                </p:cond>
+              </p:nextCondLst>
+            </p:seq>
+          </p:childTnLst>
+        </p:cTn>
+      </p:par>
+    </p:tnLst>
+    <p:bldLst>
+      <p:bldP spid="8" grpId="0"/>
+      <p:bldP spid="10" grpId="0"/>
+      <p:bldP spid="3" grpId="0" animBg="1"/>
+    </p:bldLst>
+  </p:timing>
+</p:sld>
+</file>
+
+<file path=ppt/slides/slide2.xml><?xml version="1.0" encoding="utf-8"?>
+<p:sld xmlns:a="http://schemas.openxmlformats.org/drawingml/2006/main" xmlns:r="http://schemas.openxmlformats.org/officeDocument/2006/relationships" xmlns:p="http://schemas.openxmlformats.org/presentationml/2006/main">
+  <p:cSld>
+    <p:bg>
+      <p:bgPr>
+        <a:solidFill>
+          <a:srgbClr val="C8C8A9"/>
+        </a:solidFill>
+        <a:effectLst/>
+      </p:bgPr>
+    </p:bg>
+    <p:spTree>
+      <p:nvGrpSpPr>
+        <p:cNvPr id="1" name=""/>
+        <p:cNvGrpSpPr/>
+        <p:nvPr/>
+      </p:nvGrpSpPr>
+      <p:grpSpPr>
+        <a:xfrm>
+          <a:off x="0" y="0"/>
+          <a:ext cx="0" cy="0"/>
+          <a:chOff x="0" y="0"/>
+          <a:chExt cx="0" cy="0"/>
+        </a:xfrm>
+      </p:grpSpPr>
+      <p:sp>
+        <p:nvSpPr>
+          <p:cNvPr id="2" name="TextBox 1">
+            <a:extLst>
+              <a:ext uri="{FF2B5EF4-FFF2-40B4-BE49-F238E27FC236}">
+                <a16:creationId xmlns:a16="http://schemas.microsoft.com/office/drawing/2014/main" id="{FA96BB34-5182-449E-8FB4-55D77D5ABE0E}"/>
+              </a:ext>
+            </a:extLst>
+          </p:cNvPr>
+          <p:cNvSpPr txBox="1"/>
+          <p:nvPr/>
+        </p:nvSpPr>
+        <p:spPr>
+          <a:xfrm>
+            <a:off x="1073790" y="830509"/>
+            <a:ext cx="5159229" cy="1938992"/>
+          </a:xfrm>
+          <a:prstGeom prst="rect">
+            <a:avLst/>
+          </a:prstGeom>
+          <a:noFill/>
+        </p:spPr>
+        <p:txBody>
+          <a:bodyPr wrap="square" rtlCol="0">
+            <a:spAutoFit/>
+          </a:bodyPr>
+          <a:lstStyle/>
+          <a:p>
+            <a:r>
+              <a:rPr lang="en-US" altLang="ko-KR" sz="12000">
+                <a:solidFill>
+                  <a:srgbClr val="FE4365"/>
+                </a:solidFill>
+                <a:latin typeface="Impact" panose="020B0806030902050204" pitchFamily="34" charset="0"/>
+              </a:rPr>
+              <a:t>LINUX</a:t>
+            </a:r>
+            <a:endParaRPr lang="ko-KR" altLang="en-US" sz="12000">
+              <a:solidFill>
+                <a:srgbClr val="FE4365"/>
+              </a:solidFill>
+              <a:latin typeface="Impact" panose="020B0806030902050204" pitchFamily="34" charset="0"/>
+            </a:endParaRPr>
+          </a:p>
+        </p:txBody>
+      </p:sp>
+      <p:sp>
+        <p:nvSpPr>
+          <p:cNvPr id="6" name="TextBox 5">
+            <a:extLst>
+              <a:ext uri="{FF2B5EF4-FFF2-40B4-BE49-F238E27FC236}">
+                <a16:creationId xmlns:a16="http://schemas.microsoft.com/office/drawing/2014/main" id="{B2F4F968-4DCB-42EB-9A09-83C46FD47BC2}"/>
+              </a:ext>
+            </a:extLst>
+          </p:cNvPr>
+          <p:cNvSpPr txBox="1"/>
+          <p:nvPr/>
+        </p:nvSpPr>
+        <p:spPr>
+          <a:xfrm>
+            <a:off x="5870634" y="5303153"/>
+            <a:ext cx="2870695" cy="707886"/>
+          </a:xfrm>
+          <a:prstGeom prst="rect">
+            <a:avLst/>
+          </a:prstGeom>
+          <a:noFill/>
+        </p:spPr>
+        <p:txBody>
+          <a:bodyPr wrap="square" rtlCol="0">
+            <a:spAutoFit/>
+          </a:bodyPr>
+          <a:lstStyle/>
+          <a:p>
+            <a:r>
+              <a:rPr lang="en-US" altLang="ko-KR" sz="4000">
+                <a:solidFill>
+                  <a:schemeClr val="bg1"/>
+                </a:solidFill>
+                <a:latin typeface="Impact" panose="020B0806030902050204" pitchFamily="34" charset="0"/>
+                <a:ea typeface="-윤고딕330" panose="02030504000101010101" pitchFamily="18" charset="-127"/>
+              </a:rPr>
+              <a:t>Create by YJ</a:t>
+            </a:r>
+          </a:p>
+        </p:txBody>
+      </p:sp>
       <p:sp>
         <p:nvSpPr>
           <p:cNvPr id="7" name="TextBox 6">
@@ -3126,10 +4070,10 @@
   </p:clrMapOvr>
   <mc:AlternateContent xmlns:mc="http://schemas.openxmlformats.org/markup-compatibility/2006">
     <mc:Choice xmlns:p14="http://schemas.microsoft.com/office/powerpoint/2010/main" Requires="p14">
-      <p:transition spd="slow" p14:dur="2000" advClick="0" advTm="4500"/>
+      <p:transition spd="slow" p14:dur="2000" advClick="0" advTm="3000"/>
     </mc:Choice>
     <mc:Fallback>
-      <p:transition spd="slow" advClick="0" advTm="4500"/>
+      <p:transition spd="slow" advClick="0" advTm="3000"/>
     </mc:Fallback>
   </mc:AlternateContent>
   <p:timing>
@@ -3155,7 +4099,7 @@
                               <p:par>
                                 <p:cTn id="5" presetID="63" presetClass="path" presetSubtype="0" accel="50000" decel="50000" fill="hold" grpId="0" nodeType="clickEffect">
                                   <p:stCondLst>
-                                    <p:cond delay="2000"/>
+                                    <p:cond delay="1000"/>
                                   </p:stCondLst>
                                   <p:childTnLst>
                                     <p:animMotion origin="layout" path="M 1.66667E-6 1.48148E-6 L 0.41354 1.48148E-6 " pathEditMode="relative" rAng="0" ptsTypes="AA">
@@ -3182,7 +4126,7 @@
                                   <p:childTnLst>
                                     <p:animMotion origin="layout" path="M 0 0 L 0 0.25 E" pathEditMode="relative" ptsTypes="">
                                       <p:cBhvr>
-                                        <p:cTn id="8" dur="2000" fill="hold"/>
+                                        <p:cTn id="8" dur="1500" fill="hold"/>
                                         <p:tgtEl>
                                           <p:spTgt spid="2"/>
                                         </p:tgtEl>
@@ -3195,24 +4139,15 @@
                                   </p:childTnLst>
                                 </p:cTn>
                               </p:par>
-                            </p:childTnLst>
-                          </p:cTn>
-                        </p:par>
-                        <p:par>
-                          <p:cTn id="9" fill="hold">
-                            <p:stCondLst>
-                              <p:cond delay="3500"/>
-                            </p:stCondLst>
-                            <p:childTnLst>
                               <p:par>
-                                <p:cTn id="10" presetID="10" presetClass="entr" presetSubtype="0" fill="hold" grpId="0" nodeType="afterEffect">
+                                <p:cTn id="9" presetID="10" presetClass="entr" presetSubtype="0" fill="hold" grpId="0" nodeType="withEffect">
                                   <p:stCondLst>
-                                    <p:cond delay="0"/>
+                                    <p:cond delay="1500"/>
                                   </p:stCondLst>
                                   <p:childTnLst>
                                     <p:set>
                                       <p:cBhvr>
-                                        <p:cTn id="11" dur="1" fill="hold">
+                                        <p:cTn id="10" dur="1" fill="hold">
                                           <p:stCondLst>
                                             <p:cond delay="0"/>
                                           </p:stCondLst>
@@ -3230,7 +4165,7 @@
                                     </p:set>
                                     <p:animEffect transition="in" filter="fade">
                                       <p:cBhvr>
-                                        <p:cTn id="12" dur="500"/>
+                                        <p:cTn id="11" dur="500"/>
                                         <p:tgtEl>
                                           <p:spTgt spid="7"/>
                                         </p:tgtEl>
@@ -3239,24 +4174,15 @@
                                   </p:childTnLst>
                                 </p:cTn>
                               </p:par>
-                            </p:childTnLst>
-                          </p:cTn>
-                        </p:par>
-                        <p:par>
-                          <p:cTn id="13" fill="hold">
-                            <p:stCondLst>
-                              <p:cond delay="4000"/>
-                            </p:stCondLst>
-                            <p:childTnLst>
                               <p:par>
-                                <p:cTn id="14" presetID="42" presetClass="path" presetSubtype="0" accel="50000" decel="50000" fill="hold" grpId="1" nodeType="afterEffect">
+                                <p:cTn id="12" presetID="42" presetClass="path" presetSubtype="0" accel="50000" decel="50000" fill="hold" grpId="1" nodeType="withEffect">
                                   <p:stCondLst>
-                                    <p:cond delay="0"/>
+                                    <p:cond delay="2000"/>
                                   </p:stCondLst>
                                   <p:childTnLst>
                                     <p:animMotion origin="layout" path="M 2.59124E-17 0.25 L 8.33333E-7 0.7375 " pathEditMode="relative" rAng="0" ptsTypes="AA">
                                       <p:cBhvr>
-                                        <p:cTn id="15" dur="2000" fill="hold"/>
+                                        <p:cTn id="13" dur="1000" fill="hold"/>
                                         <p:tgtEl>
                                           <p:spTgt spid="2"/>
                                         </p:tgtEl>
@@ -3307,7 +4233,7 @@
 </p:sld>
 </file>
 
-<file path=ppt/slides/slide2.xml><?xml version="1.0" encoding="utf-8"?>
+<file path=ppt/slides/slide3.xml><?xml version="1.0" encoding="utf-8"?>
 <p:sld xmlns:a="http://schemas.openxmlformats.org/drawingml/2006/main" xmlns:r="http://schemas.openxmlformats.org/officeDocument/2006/relationships" xmlns:p="http://schemas.openxmlformats.org/presentationml/2006/main">
   <p:cSld>
     <p:bg>
@@ -3691,13 +4617,13 @@
   <p:clrMapOvr>
     <a:masterClrMapping/>
   </p:clrMapOvr>
-  <mc:AlternateContent xmlns:mc="http://schemas.openxmlformats.org/markup-compatibility/2006">
-    <mc:Choice xmlns:p14="http://schemas.microsoft.com/office/powerpoint/2010/main" Requires="p14">
+  <mc:AlternateContent xmlns:mc="http://schemas.openxmlformats.org/markup-compatibility/2006" xmlns:p14="http://schemas.microsoft.com/office/powerpoint/2010/main">
+    <mc:Choice Requires="p14">
       <p:transition p14:dur="300">
         <p:push dir="u"/>
       </p:transition>
     </mc:Choice>
-    <mc:Fallback>
+    <mc:Fallback xmlns="">
       <p:transition>
         <p:push dir="u"/>
       </p:transition>
@@ -4171,7 +5097,7 @@
 </p:sld>
 </file>
 
-<file path=ppt/slides/slide3.xml><?xml version="1.0" encoding="utf-8"?>
+<file path=ppt/slides/slide4.xml><?xml version="1.0" encoding="utf-8"?>
 <p:sld xmlns:a="http://schemas.openxmlformats.org/drawingml/2006/main" xmlns:r="http://schemas.openxmlformats.org/officeDocument/2006/relationships" xmlns:p="http://schemas.openxmlformats.org/presentationml/2006/main">
   <p:cSld>
     <p:bg>
@@ -4349,11 +5275,11 @@
   <p:clrMapOvr>
     <a:masterClrMapping/>
   </p:clrMapOvr>
-  <mc:AlternateContent xmlns:mc="http://schemas.openxmlformats.org/markup-compatibility/2006">
-    <mc:Choice xmlns:p14="http://schemas.microsoft.com/office/powerpoint/2010/main" Requires="p14">
+  <mc:AlternateContent xmlns:mc="http://schemas.openxmlformats.org/markup-compatibility/2006" xmlns:p14="http://schemas.microsoft.com/office/powerpoint/2010/main">
+    <mc:Choice Requires="p14">
       <p:transition p14:dur="10"/>
     </mc:Choice>
-    <mc:Fallback>
+    <mc:Fallback xmlns="">
       <p:transition/>
     </mc:Fallback>
   </mc:AlternateContent>
@@ -4449,7 +5375,7 @@
 </p:sld>
 </file>
 
-<file path=ppt/slides/slide4.xml><?xml version="1.0" encoding="utf-8"?>
+<file path=ppt/slides/slide5.xml><?xml version="1.0" encoding="utf-8"?>
 <p:sld xmlns:a="http://schemas.openxmlformats.org/drawingml/2006/main" xmlns:r="http://schemas.openxmlformats.org/officeDocument/2006/relationships" xmlns:p="http://schemas.openxmlformats.org/presentationml/2006/main">
   <p:cSld>
     <p:bg>
@@ -4936,20 +5862,21 @@
                   <a:latin typeface="-윤고딕330" panose="02030504000101010101" pitchFamily="18" charset="-127"/>
                   <a:ea typeface="-윤고딕330" panose="02030504000101010101" pitchFamily="18" charset="-127"/>
                 </a:rPr>
-                <a:t>년 리누스 토르발스가 극적으로 현 리눅스의</a:t>
+                <a:t>년 리누스 토르발스가 현 리눅스의</a:t>
               </a:r>
-              <a:endParaRPr lang="en-US" altLang="ko-KR" sz="2600">
-                <a:solidFill>
-                  <a:schemeClr val="tx1">
-                    <a:lumMod val="65000"/>
-                    <a:lumOff val="35000"/>
-                  </a:schemeClr>
-                </a:solidFill>
-                <a:latin typeface="-윤고딕330" panose="02030504000101010101" pitchFamily="18" charset="-127"/>
-                <a:ea typeface="-윤고딕330" panose="02030504000101010101" pitchFamily="18" charset="-127"/>
-              </a:endParaRPr>
-            </a:p>
-            <a:p>
+              <a:r>
+                <a:rPr lang="en-US" altLang="ko-KR" sz="2600">
+                  <a:solidFill>
+                    <a:schemeClr val="tx1">
+                      <a:lumMod val="65000"/>
+                      <a:lumOff val="35000"/>
+                    </a:schemeClr>
+                  </a:solidFill>
+                  <a:latin typeface="-윤고딕330" panose="02030504000101010101" pitchFamily="18" charset="-127"/>
+                  <a:ea typeface="-윤고딕330" panose="02030504000101010101" pitchFamily="18" charset="-127"/>
+                </a:rPr>
+                <a:t> </a:t>
+              </a:r>
               <a:r>
                 <a:rPr lang="ko-KR" altLang="en-US" sz="2600">
                   <a:solidFill>
@@ -5170,7 +6097,7 @@
 </p:sld>
 </file>
 
-<file path=ppt/slides/slide5.xml><?xml version="1.0" encoding="utf-8"?>
+<file path=ppt/slides/slide6.xml><?xml version="1.0" encoding="utf-8"?>
 <p:sld xmlns:a="http://schemas.openxmlformats.org/drawingml/2006/main" xmlns:r="http://schemas.openxmlformats.org/officeDocument/2006/relationships" xmlns:p="http://schemas.openxmlformats.org/presentationml/2006/main">
   <p:cSld>
     <p:bg>
@@ -6094,7 +7021,7 @@
 </p:sld>
 </file>
 
-<file path=ppt/slides/slide6.xml><?xml version="1.0" encoding="utf-8"?>
+<file path=ppt/slides/slide7.xml><?xml version="1.0" encoding="utf-8"?>
 <p:sld xmlns:a="http://schemas.openxmlformats.org/drawingml/2006/main" xmlns:r="http://schemas.openxmlformats.org/officeDocument/2006/relationships" xmlns:p="http://schemas.openxmlformats.org/presentationml/2006/main">
   <p:cSld>
     <p:bg>
@@ -6121,6 +7048,58 @@
       </p:grpSpPr>
       <p:sp>
         <p:nvSpPr>
+          <p:cNvPr id="5" name="직사각형 4">
+            <a:extLst>
+              <a:ext uri="{FF2B5EF4-FFF2-40B4-BE49-F238E27FC236}">
+                <a16:creationId xmlns:a16="http://schemas.microsoft.com/office/drawing/2014/main" id="{F345B0FF-BA0F-4B0E-95BC-DAF0F693D9CA}"/>
+              </a:ext>
+            </a:extLst>
+          </p:cNvPr>
+          <p:cNvSpPr/>
+          <p:nvPr/>
+        </p:nvSpPr>
+        <p:spPr>
+          <a:xfrm>
+            <a:off x="1245260" y="2028289"/>
+            <a:ext cx="6477620" cy="4538434"/>
+          </a:xfrm>
+          <a:prstGeom prst="rect">
+            <a:avLst/>
+          </a:prstGeom>
+          <a:solidFill>
+            <a:srgbClr val="FC9D9A"/>
+          </a:solidFill>
+          <a:ln>
+            <a:noFill/>
+          </a:ln>
+        </p:spPr>
+        <p:style>
+          <a:lnRef idx="2">
+            <a:schemeClr val="accent1">
+              <a:shade val="50000"/>
+            </a:schemeClr>
+          </a:lnRef>
+          <a:fillRef idx="1">
+            <a:schemeClr val="accent1"/>
+          </a:fillRef>
+          <a:effectRef idx="0">
+            <a:schemeClr val="accent1"/>
+          </a:effectRef>
+          <a:fontRef idx="minor">
+            <a:schemeClr val="lt1"/>
+          </a:fontRef>
+        </p:style>
+        <p:txBody>
+          <a:bodyPr rtlCol="0" anchor="ctr"/>
+          <a:lstStyle/>
+          <a:p>
+            <a:pPr algn="ctr"/>
+            <a:endParaRPr lang="ko-KR" altLang="en-US"/>
+          </a:p>
+        </p:txBody>
+      </p:sp>
+      <p:sp>
+        <p:nvSpPr>
           <p:cNvPr id="2" name="TextBox 1">
             <a:extLst>
               <a:ext uri="{FF2B5EF4-FFF2-40B4-BE49-F238E27FC236}">
@@ -6165,337 +7144,40 @@
           </a:p>
         </p:txBody>
       </p:sp>
-      <p:sp>
-        <p:nvSpPr>
-          <p:cNvPr id="8" name="TextBox 7">
+      <p:pic>
+        <p:nvPicPr>
+          <p:cNvPr id="4" name="그림 3">
             <a:extLst>
               <a:ext uri="{FF2B5EF4-FFF2-40B4-BE49-F238E27FC236}">
-                <a16:creationId xmlns:a16="http://schemas.microsoft.com/office/drawing/2014/main" id="{C0468962-9771-4759-AE44-E1DD5C2255FF}"/>
+                <a16:creationId xmlns:a16="http://schemas.microsoft.com/office/drawing/2014/main" id="{C1FECBFD-D11D-45AF-9B4C-BE47F673FDCA}"/>
               </a:ext>
             </a:extLst>
           </p:cNvPr>
-          <p:cNvSpPr txBox="1"/>
+          <p:cNvPicPr>
+            <a:picLocks noChangeAspect="1"/>
+          </p:cNvPicPr>
           <p:nvPr/>
-        </p:nvSpPr>
+        </p:nvPicPr>
+        <p:blipFill>
+          <a:blip r:embed="rId2"/>
+          <a:stretch>
+            <a:fillRect/>
+          </a:stretch>
+        </p:blipFill>
         <p:spPr>
           <a:xfrm>
-            <a:off x="419100" y="1904999"/>
-            <a:ext cx="8724900" cy="769441"/>
+            <a:off x="1073790" y="1821360"/>
+            <a:ext cx="6502399" cy="4544466"/>
           </a:xfrm>
           <a:prstGeom prst="rect">
             <a:avLst/>
           </a:prstGeom>
-          <a:noFill/>
         </p:spPr>
-        <p:txBody>
-          <a:bodyPr wrap="square" rtlCol="0">
-            <a:spAutoFit/>
-          </a:bodyPr>
-          <a:lstStyle/>
-          <a:p>
-            <a:r>
-              <a:rPr lang="ko-KR" altLang="en-US" sz="4400">
-                <a:solidFill>
-                  <a:schemeClr val="bg1">
-                    <a:lumMod val="95000"/>
-                  </a:schemeClr>
-                </a:solidFill>
-                <a:latin typeface="-윤고딕330" panose="02030504000101010101" pitchFamily="18" charset="-127"/>
-                <a:ea typeface="-윤고딕330" panose="02030504000101010101" pitchFamily="18" charset="-127"/>
-              </a:rPr>
-              <a:t>리눅스의 의의</a:t>
-            </a:r>
-            <a:endParaRPr lang="en-US" altLang="ko-KR" sz="4400">
-              <a:solidFill>
-                <a:schemeClr val="bg1">
-                  <a:lumMod val="95000"/>
-                </a:schemeClr>
-              </a:solidFill>
-              <a:latin typeface="-윤고딕330" panose="02030504000101010101" pitchFamily="18" charset="-127"/>
-              <a:ea typeface="-윤고딕330" panose="02030504000101010101" pitchFamily="18" charset="-127"/>
-            </a:endParaRPr>
-          </a:p>
-        </p:txBody>
-      </p:sp>
-      <p:sp>
-        <p:nvSpPr>
-          <p:cNvPr id="10" name="TextBox 9">
-            <a:extLst>
-              <a:ext uri="{FF2B5EF4-FFF2-40B4-BE49-F238E27FC236}">
-                <a16:creationId xmlns:a16="http://schemas.microsoft.com/office/drawing/2014/main" id="{C8FE1E66-CC0C-48C0-858E-349F569A8EE7}"/>
-              </a:ext>
-            </a:extLst>
-          </p:cNvPr>
-          <p:cNvSpPr txBox="1"/>
-          <p:nvPr/>
-        </p:nvSpPr>
-        <p:spPr>
-          <a:xfrm>
-            <a:off x="419100" y="2692448"/>
-            <a:ext cx="8343900" cy="2893100"/>
-          </a:xfrm>
-          <a:prstGeom prst="rect">
-            <a:avLst/>
-          </a:prstGeom>
-          <a:noFill/>
-        </p:spPr>
-        <p:txBody>
-          <a:bodyPr wrap="square" rtlCol="0">
-            <a:spAutoFit/>
-          </a:bodyPr>
-          <a:lstStyle/>
-          <a:p>
-            <a:r>
-              <a:rPr lang="ko-KR" altLang="en-US" sz="2600">
-                <a:solidFill>
-                  <a:schemeClr val="tx1">
-                    <a:lumMod val="65000"/>
-                    <a:lumOff val="35000"/>
-                  </a:schemeClr>
-                </a:solidFill>
-                <a:latin typeface="-윤고딕330" panose="02030504000101010101" pitchFamily="18" charset="-127"/>
-                <a:ea typeface="-윤고딕330" panose="02030504000101010101" pitchFamily="18" charset="-127"/>
-              </a:rPr>
-              <a:t>  현재 우리 모두가 사용하고 있는</a:t>
-            </a:r>
-            <a:r>
-              <a:rPr lang="en-US" altLang="ko-KR" sz="2600">
-                <a:solidFill>
-                  <a:schemeClr val="tx1">
-                    <a:lumMod val="65000"/>
-                    <a:lumOff val="35000"/>
-                  </a:schemeClr>
-                </a:solidFill>
-                <a:latin typeface="-윤고딕330" panose="02030504000101010101" pitchFamily="18" charset="-127"/>
-                <a:ea typeface="-윤고딕330" panose="02030504000101010101" pitchFamily="18" charset="-127"/>
-              </a:rPr>
-              <a:t> ‘</a:t>
-            </a:r>
-            <a:r>
-              <a:rPr lang="ko-KR" altLang="en-US" sz="2600">
-                <a:solidFill>
-                  <a:schemeClr val="tx1">
-                    <a:lumMod val="65000"/>
-                    <a:lumOff val="35000"/>
-                  </a:schemeClr>
-                </a:solidFill>
-                <a:latin typeface="-윤고딕330" panose="02030504000101010101" pitchFamily="18" charset="-127"/>
-                <a:ea typeface="-윤고딕330" panose="02030504000101010101" pitchFamily="18" charset="-127"/>
-              </a:rPr>
-              <a:t>안드로이드</a:t>
-            </a:r>
-            <a:r>
-              <a:rPr lang="en-US" altLang="ko-KR" sz="2600">
-                <a:solidFill>
-                  <a:schemeClr val="tx1">
-                    <a:lumMod val="65000"/>
-                    <a:lumOff val="35000"/>
-                  </a:schemeClr>
-                </a:solidFill>
-                <a:latin typeface="-윤고딕330" panose="02030504000101010101" pitchFamily="18" charset="-127"/>
-                <a:ea typeface="-윤고딕330" panose="02030504000101010101" pitchFamily="18" charset="-127"/>
-              </a:rPr>
-              <a:t>’ </a:t>
-            </a:r>
-            <a:r>
-              <a:rPr lang="ko-KR" altLang="en-US" sz="2600">
-                <a:solidFill>
-                  <a:schemeClr val="tx1">
-                    <a:lumMod val="65000"/>
-                    <a:lumOff val="35000"/>
-                  </a:schemeClr>
-                </a:solidFill>
-                <a:latin typeface="-윤고딕330" panose="02030504000101010101" pitchFamily="18" charset="-127"/>
-                <a:ea typeface="-윤고딕330" panose="02030504000101010101" pitchFamily="18" charset="-127"/>
-              </a:rPr>
-              <a:t>조차 리눅스의 배포판의 일종임을 감안할때</a:t>
-            </a:r>
-            <a:r>
-              <a:rPr lang="en-US" altLang="ko-KR" sz="2600">
-                <a:solidFill>
-                  <a:schemeClr val="tx1">
-                    <a:lumMod val="65000"/>
-                    <a:lumOff val="35000"/>
-                  </a:schemeClr>
-                </a:solidFill>
-                <a:latin typeface="-윤고딕330" panose="02030504000101010101" pitchFamily="18" charset="-127"/>
-                <a:ea typeface="-윤고딕330" panose="02030504000101010101" pitchFamily="18" charset="-127"/>
-              </a:rPr>
-              <a:t>, GNU </a:t>
-            </a:r>
-            <a:r>
-              <a:rPr lang="ko-KR" altLang="en-US" sz="2600">
-                <a:solidFill>
-                  <a:schemeClr val="tx1">
-                    <a:lumMod val="65000"/>
-                    <a:lumOff val="35000"/>
-                  </a:schemeClr>
-                </a:solidFill>
-                <a:latin typeface="-윤고딕330" panose="02030504000101010101" pitchFamily="18" charset="-127"/>
-                <a:ea typeface="-윤고딕330" panose="02030504000101010101" pitchFamily="18" charset="-127"/>
-              </a:rPr>
-              <a:t>프로젝트는</a:t>
-            </a:r>
-            <a:endParaRPr lang="en-US" altLang="ko-KR" sz="2600">
-              <a:solidFill>
-                <a:schemeClr val="tx1">
-                  <a:lumMod val="65000"/>
-                  <a:lumOff val="35000"/>
-                </a:schemeClr>
-              </a:solidFill>
-              <a:latin typeface="-윤고딕330" panose="02030504000101010101" pitchFamily="18" charset="-127"/>
-              <a:ea typeface="-윤고딕330" panose="02030504000101010101" pitchFamily="18" charset="-127"/>
-            </a:endParaRPr>
-          </a:p>
-          <a:p>
-            <a:r>
-              <a:rPr lang="en-US" altLang="ko-KR" sz="2600">
-                <a:solidFill>
-                  <a:schemeClr val="tx1">
-                    <a:lumMod val="65000"/>
-                    <a:lumOff val="35000"/>
-                  </a:schemeClr>
-                </a:solidFill>
-                <a:latin typeface="-윤고딕330" panose="02030504000101010101" pitchFamily="18" charset="-127"/>
-                <a:ea typeface="-윤고딕330" panose="02030504000101010101" pitchFamily="18" charset="-127"/>
-              </a:rPr>
-              <a:t>IT </a:t>
-            </a:r>
-            <a:r>
-              <a:rPr lang="ko-KR" altLang="en-US" sz="2600">
-                <a:solidFill>
-                  <a:schemeClr val="tx1">
-                    <a:lumMod val="65000"/>
-                    <a:lumOff val="35000"/>
-                  </a:schemeClr>
-                </a:solidFill>
-                <a:latin typeface="-윤고딕330" panose="02030504000101010101" pitchFamily="18" charset="-127"/>
-                <a:ea typeface="-윤고딕330" panose="02030504000101010101" pitchFamily="18" charset="-127"/>
-              </a:rPr>
-              <a:t>산업의 발전에 매우 지대한 영향을 끼쳐왔고</a:t>
-            </a:r>
-            <a:r>
-              <a:rPr lang="en-US" altLang="ko-KR" sz="2600">
-                <a:solidFill>
-                  <a:schemeClr val="tx1">
-                    <a:lumMod val="65000"/>
-                    <a:lumOff val="35000"/>
-                  </a:schemeClr>
-                </a:solidFill>
-                <a:latin typeface="-윤고딕330" panose="02030504000101010101" pitchFamily="18" charset="-127"/>
-                <a:ea typeface="-윤고딕330" panose="02030504000101010101" pitchFamily="18" charset="-127"/>
-              </a:rPr>
-              <a:t>, </a:t>
-            </a:r>
-            <a:r>
-              <a:rPr lang="ko-KR" altLang="en-US" sz="2600">
-                <a:solidFill>
-                  <a:schemeClr val="tx1">
-                    <a:lumMod val="65000"/>
-                    <a:lumOff val="35000"/>
-                  </a:schemeClr>
-                </a:solidFill>
-                <a:latin typeface="-윤고딕330" panose="02030504000101010101" pitchFamily="18" charset="-127"/>
-                <a:ea typeface="-윤고딕330" panose="02030504000101010101" pitchFamily="18" charset="-127"/>
-              </a:rPr>
-              <a:t>현재도 그러하다</a:t>
-            </a:r>
-            <a:r>
-              <a:rPr lang="en-US" altLang="ko-KR" sz="2600">
-                <a:solidFill>
-                  <a:schemeClr val="tx1">
-                    <a:lumMod val="65000"/>
-                    <a:lumOff val="35000"/>
-                  </a:schemeClr>
-                </a:solidFill>
-                <a:latin typeface="-윤고딕330" panose="02030504000101010101" pitchFamily="18" charset="-127"/>
-                <a:ea typeface="-윤고딕330" panose="02030504000101010101" pitchFamily="18" charset="-127"/>
-              </a:rPr>
-              <a:t>.</a:t>
-            </a:r>
-          </a:p>
-          <a:p>
-            <a:r>
-              <a:rPr lang="ko-KR" altLang="en-US" sz="2600">
-                <a:solidFill>
-                  <a:schemeClr val="tx1">
-                    <a:lumMod val="65000"/>
-                    <a:lumOff val="35000"/>
-                  </a:schemeClr>
-                </a:solidFill>
-                <a:latin typeface="-윤고딕330" panose="02030504000101010101" pitchFamily="18" charset="-127"/>
-                <a:ea typeface="-윤고딕330" panose="02030504000101010101" pitchFamily="18" charset="-127"/>
-              </a:rPr>
-              <a:t>  리눅스는 소스코드 공유를 전제하면서도 상업적으로도 성공했기에 앞으로도 많은 개발자들에게 영감을 주지 않을까나</a:t>
-            </a:r>
-            <a:r>
-              <a:rPr lang="en-US" altLang="ko-KR" sz="2600">
-                <a:solidFill>
-                  <a:schemeClr val="tx1">
-                    <a:lumMod val="65000"/>
-                    <a:lumOff val="35000"/>
-                  </a:schemeClr>
-                </a:solidFill>
-                <a:latin typeface="-윤고딕330" panose="02030504000101010101" pitchFamily="18" charset="-127"/>
-                <a:ea typeface="-윤고딕330" panose="02030504000101010101" pitchFamily="18" charset="-127"/>
-              </a:rPr>
-              <a:t>?!  </a:t>
-            </a:r>
-          </a:p>
-        </p:txBody>
-      </p:sp>
-      <p:sp>
-        <p:nvSpPr>
-          <p:cNvPr id="3" name="TextBox 2">
-            <a:extLst>
-              <a:ext uri="{FF2B5EF4-FFF2-40B4-BE49-F238E27FC236}">
-                <a16:creationId xmlns:a16="http://schemas.microsoft.com/office/drawing/2014/main" id="{76671FAE-ECEF-4A28-AC72-79A9F96D04A4}"/>
-              </a:ext>
-            </a:extLst>
-          </p:cNvPr>
-          <p:cNvSpPr txBox="1"/>
-          <p:nvPr/>
-        </p:nvSpPr>
-        <p:spPr>
-          <a:xfrm rot="21019025">
-            <a:off x="3967293" y="198904"/>
-            <a:ext cx="5105115" cy="1938992"/>
-          </a:xfrm>
-          <a:prstGeom prst="rect">
-            <a:avLst/>
-          </a:prstGeom>
-          <a:solidFill>
-            <a:srgbClr val="83AF9B"/>
-          </a:solidFill>
-        </p:spPr>
-        <p:txBody>
-          <a:bodyPr wrap="square" rtlCol="0">
-            <a:spAutoFit/>
-          </a:bodyPr>
-          <a:lstStyle/>
-          <a:p>
-            <a:r>
-              <a:rPr lang="en-US" altLang="ko-KR" sz="12000">
-                <a:solidFill>
-                  <a:srgbClr val="FE4365"/>
-                </a:solidFill>
-                <a:latin typeface="Impact" panose="020B0806030902050204" pitchFamily="34" charset="0"/>
-              </a:rPr>
-              <a:t>The END</a:t>
-            </a:r>
-            <a:endParaRPr lang="ko-KR" altLang="en-US" sz="12000">
-              <a:solidFill>
-                <a:srgbClr val="FE4365"/>
-              </a:solidFill>
-              <a:latin typeface="Impact" panose="020B0806030902050204" pitchFamily="34" charset="0"/>
-            </a:endParaRPr>
-          </a:p>
-        </p:txBody>
-      </p:sp>
+      </p:pic>
     </p:spTree>
     <p:extLst>
       <p:ext uri="{BB962C8B-B14F-4D97-AF65-F5344CB8AC3E}">
-        <p14:creationId xmlns:p14="http://schemas.microsoft.com/office/powerpoint/2010/main" val="2510430487"/>
+        <p14:creationId xmlns:p14="http://schemas.microsoft.com/office/powerpoint/2010/main" val="104597183"/>
       </p:ext>
     </p:extLst>
   </p:cSld>
@@ -6504,8 +7186,364 @@
   </p:clrMapOvr>
   <mc:AlternateContent xmlns:mc="http://schemas.openxmlformats.org/markup-compatibility/2006">
     <mc:Choice xmlns:p14="http://schemas.microsoft.com/office/powerpoint/2010/main" Requires="p14">
-      <p:transition spd="slow" p14:dur="4400">
+      <p:transition spd="slow" p14:dur="2300">
         <p14:honeycomb/>
+      </p:transition>
+    </mc:Choice>
+    <mc:Fallback>
+      <p:transition spd="slow">
+        <p:fade/>
+      </p:transition>
+    </mc:Fallback>
+  </mc:AlternateContent>
+</p:sld>
+</file>
+
+<file path=ppt/slides/slide8.xml><?xml version="1.0" encoding="utf-8"?>
+<p:sld xmlns:a="http://schemas.openxmlformats.org/drawingml/2006/main" xmlns:r="http://schemas.openxmlformats.org/officeDocument/2006/relationships" xmlns:p="http://schemas.openxmlformats.org/presentationml/2006/main">
+  <p:cSld>
+    <p:bg>
+      <p:bgPr>
+        <a:solidFill>
+          <a:srgbClr val="F9CDAD"/>
+        </a:solidFill>
+        <a:effectLst/>
+      </p:bgPr>
+    </p:bg>
+    <p:spTree>
+      <p:nvGrpSpPr>
+        <p:cNvPr id="1" name=""/>
+        <p:cNvGrpSpPr/>
+        <p:nvPr/>
+      </p:nvGrpSpPr>
+      <p:grpSpPr>
+        <a:xfrm>
+          <a:off x="0" y="0"/>
+          <a:ext cx="0" cy="0"/>
+          <a:chOff x="0" y="0"/>
+          <a:chExt cx="0" cy="0"/>
+        </a:xfrm>
+      </p:grpSpPr>
+      <p:sp>
+        <p:nvSpPr>
+          <p:cNvPr id="5" name="직사각형 4">
+            <a:extLst>
+              <a:ext uri="{FF2B5EF4-FFF2-40B4-BE49-F238E27FC236}">
+                <a16:creationId xmlns:a16="http://schemas.microsoft.com/office/drawing/2014/main" id="{F345B0FF-BA0F-4B0E-95BC-DAF0F693D9CA}"/>
+              </a:ext>
+            </a:extLst>
+          </p:cNvPr>
+          <p:cNvSpPr/>
+          <p:nvPr/>
+        </p:nvSpPr>
+        <p:spPr>
+          <a:xfrm>
+            <a:off x="1197709" y="2113081"/>
+            <a:ext cx="7656250" cy="4538434"/>
+          </a:xfrm>
+          <a:prstGeom prst="rect">
+            <a:avLst/>
+          </a:prstGeom>
+          <a:solidFill>
+            <a:srgbClr val="FC9D9A"/>
+          </a:solidFill>
+          <a:ln>
+            <a:noFill/>
+          </a:ln>
+        </p:spPr>
+        <p:style>
+          <a:lnRef idx="2">
+            <a:schemeClr val="accent1">
+              <a:shade val="50000"/>
+            </a:schemeClr>
+          </a:lnRef>
+          <a:fillRef idx="1">
+            <a:schemeClr val="accent1"/>
+          </a:fillRef>
+          <a:effectRef idx="0">
+            <a:schemeClr val="accent1"/>
+          </a:effectRef>
+          <a:fontRef idx="minor">
+            <a:schemeClr val="lt1"/>
+          </a:fontRef>
+        </p:style>
+        <p:txBody>
+          <a:bodyPr rtlCol="0" anchor="ctr"/>
+          <a:lstStyle/>
+          <a:p>
+            <a:pPr algn="ctr"/>
+            <a:endParaRPr lang="ko-KR" altLang="en-US"/>
+          </a:p>
+        </p:txBody>
+      </p:sp>
+      <p:sp>
+        <p:nvSpPr>
+          <p:cNvPr id="2" name="TextBox 1">
+            <a:extLst>
+              <a:ext uri="{FF2B5EF4-FFF2-40B4-BE49-F238E27FC236}">
+                <a16:creationId xmlns:a16="http://schemas.microsoft.com/office/drawing/2014/main" id="{FA96BB34-5182-449E-8FB4-55D77D5ABE0E}"/>
+              </a:ext>
+            </a:extLst>
+          </p:cNvPr>
+          <p:cNvSpPr txBox="1"/>
+          <p:nvPr/>
+        </p:nvSpPr>
+        <p:spPr>
+          <a:xfrm>
+            <a:off x="1073790" y="0"/>
+            <a:ext cx="5159229" cy="1938992"/>
+          </a:xfrm>
+          <a:prstGeom prst="rect">
+            <a:avLst/>
+          </a:prstGeom>
+          <a:noFill/>
+        </p:spPr>
+        <p:txBody>
+          <a:bodyPr wrap="square" rtlCol="0">
+            <a:spAutoFit/>
+          </a:bodyPr>
+          <a:lstStyle/>
+          <a:p>
+            <a:r>
+              <a:rPr lang="en-US" altLang="ko-KR" sz="12000">
+                <a:solidFill>
+                  <a:srgbClr val="83AF9B"/>
+                </a:solidFill>
+                <a:latin typeface="Impact" panose="020B0806030902050204" pitchFamily="34" charset="0"/>
+              </a:rPr>
+              <a:t>LINUX</a:t>
+            </a:r>
+            <a:endParaRPr lang="ko-KR" altLang="en-US" sz="12000">
+              <a:solidFill>
+                <a:srgbClr val="83AF9B"/>
+              </a:solidFill>
+              <a:latin typeface="Impact" panose="020B0806030902050204" pitchFamily="34" charset="0"/>
+            </a:endParaRPr>
+          </a:p>
+        </p:txBody>
+      </p:sp>
+      <p:pic>
+        <p:nvPicPr>
+          <p:cNvPr id="3" name="그림 2">
+            <a:extLst>
+              <a:ext uri="{FF2B5EF4-FFF2-40B4-BE49-F238E27FC236}">
+                <a16:creationId xmlns:a16="http://schemas.microsoft.com/office/drawing/2014/main" id="{E265290C-EA62-4F64-B329-49EA761369DC}"/>
+              </a:ext>
+            </a:extLst>
+          </p:cNvPr>
+          <p:cNvPicPr>
+            <a:picLocks noChangeAspect="1"/>
+          </p:cNvPicPr>
+          <p:nvPr/>
+        </p:nvPicPr>
+        <p:blipFill>
+          <a:blip r:embed="rId2"/>
+          <a:stretch>
+            <a:fillRect/>
+          </a:stretch>
+        </p:blipFill>
+        <p:spPr>
+          <a:xfrm>
+            <a:off x="1073790" y="1922184"/>
+            <a:ext cx="7656250" cy="4538434"/>
+          </a:xfrm>
+          <a:prstGeom prst="rect">
+            <a:avLst/>
+          </a:prstGeom>
+        </p:spPr>
+      </p:pic>
+    </p:spTree>
+    <p:extLst>
+      <p:ext uri="{BB962C8B-B14F-4D97-AF65-F5344CB8AC3E}">
+        <p14:creationId xmlns:p14="http://schemas.microsoft.com/office/powerpoint/2010/main" val="2105666638"/>
+      </p:ext>
+    </p:extLst>
+  </p:cSld>
+  <p:clrMapOvr>
+    <a:masterClrMapping/>
+  </p:clrMapOvr>
+  <mc:AlternateContent xmlns:mc="http://schemas.openxmlformats.org/markup-compatibility/2006">
+    <mc:Choice xmlns:p14="http://schemas.microsoft.com/office/powerpoint/2010/main" Requires="p14">
+      <p:transition spd="slow" p14:dur="1200">
+        <p14:prism/>
+      </p:transition>
+    </mc:Choice>
+    <mc:Fallback>
+      <p:transition spd="slow">
+        <p:fade/>
+      </p:transition>
+    </mc:Fallback>
+  </mc:AlternateContent>
+</p:sld>
+</file>
+
+<file path=ppt/slides/slide9.xml><?xml version="1.0" encoding="utf-8"?>
+<p:sld xmlns:a="http://schemas.openxmlformats.org/drawingml/2006/main" xmlns:r="http://schemas.openxmlformats.org/officeDocument/2006/relationships" xmlns:p="http://schemas.openxmlformats.org/presentationml/2006/main">
+  <p:cSld>
+    <p:bg>
+      <p:bgPr>
+        <a:solidFill>
+          <a:srgbClr val="F9CDAD"/>
+        </a:solidFill>
+        <a:effectLst/>
+      </p:bgPr>
+    </p:bg>
+    <p:spTree>
+      <p:nvGrpSpPr>
+        <p:cNvPr id="1" name=""/>
+        <p:cNvGrpSpPr/>
+        <p:nvPr/>
+      </p:nvGrpSpPr>
+      <p:grpSpPr>
+        <a:xfrm>
+          <a:off x="0" y="0"/>
+          <a:ext cx="0" cy="0"/>
+          <a:chOff x="0" y="0"/>
+          <a:chExt cx="0" cy="0"/>
+        </a:xfrm>
+      </p:grpSpPr>
+      <p:sp>
+        <p:nvSpPr>
+          <p:cNvPr id="5" name="직사각형 4">
+            <a:extLst>
+              <a:ext uri="{FF2B5EF4-FFF2-40B4-BE49-F238E27FC236}">
+                <a16:creationId xmlns:a16="http://schemas.microsoft.com/office/drawing/2014/main" id="{F345B0FF-BA0F-4B0E-95BC-DAF0F693D9CA}"/>
+              </a:ext>
+            </a:extLst>
+          </p:cNvPr>
+          <p:cNvSpPr/>
+          <p:nvPr/>
+        </p:nvSpPr>
+        <p:spPr>
+          <a:xfrm>
+            <a:off x="1245260" y="2028289"/>
+            <a:ext cx="5342200" cy="4538434"/>
+          </a:xfrm>
+          <a:prstGeom prst="rect">
+            <a:avLst/>
+          </a:prstGeom>
+          <a:solidFill>
+            <a:srgbClr val="FC9D9A"/>
+          </a:solidFill>
+          <a:ln>
+            <a:noFill/>
+          </a:ln>
+        </p:spPr>
+        <p:style>
+          <a:lnRef idx="2">
+            <a:schemeClr val="accent1">
+              <a:shade val="50000"/>
+            </a:schemeClr>
+          </a:lnRef>
+          <a:fillRef idx="1">
+            <a:schemeClr val="accent1"/>
+          </a:fillRef>
+          <a:effectRef idx="0">
+            <a:schemeClr val="accent1"/>
+          </a:effectRef>
+          <a:fontRef idx="minor">
+            <a:schemeClr val="lt1"/>
+          </a:fontRef>
+        </p:style>
+        <p:txBody>
+          <a:bodyPr rtlCol="0" anchor="ctr"/>
+          <a:lstStyle/>
+          <a:p>
+            <a:pPr algn="ctr"/>
+            <a:endParaRPr lang="ko-KR" altLang="en-US"/>
+          </a:p>
+        </p:txBody>
+      </p:sp>
+      <p:sp>
+        <p:nvSpPr>
+          <p:cNvPr id="2" name="TextBox 1">
+            <a:extLst>
+              <a:ext uri="{FF2B5EF4-FFF2-40B4-BE49-F238E27FC236}">
+                <a16:creationId xmlns:a16="http://schemas.microsoft.com/office/drawing/2014/main" id="{FA96BB34-5182-449E-8FB4-55D77D5ABE0E}"/>
+              </a:ext>
+            </a:extLst>
+          </p:cNvPr>
+          <p:cNvSpPr txBox="1"/>
+          <p:nvPr/>
+        </p:nvSpPr>
+        <p:spPr>
+          <a:xfrm>
+            <a:off x="1073790" y="0"/>
+            <a:ext cx="5159229" cy="1938992"/>
+          </a:xfrm>
+          <a:prstGeom prst="rect">
+            <a:avLst/>
+          </a:prstGeom>
+          <a:noFill/>
+        </p:spPr>
+        <p:txBody>
+          <a:bodyPr wrap="square" rtlCol="0">
+            <a:spAutoFit/>
+          </a:bodyPr>
+          <a:lstStyle/>
+          <a:p>
+            <a:r>
+              <a:rPr lang="en-US" altLang="ko-KR" sz="12000">
+                <a:solidFill>
+                  <a:srgbClr val="83AF9B"/>
+                </a:solidFill>
+                <a:latin typeface="Impact" panose="020B0806030902050204" pitchFamily="34" charset="0"/>
+              </a:rPr>
+              <a:t>LINUX</a:t>
+            </a:r>
+            <a:endParaRPr lang="ko-KR" altLang="en-US" sz="12000">
+              <a:solidFill>
+                <a:srgbClr val="83AF9B"/>
+              </a:solidFill>
+              <a:latin typeface="Impact" panose="020B0806030902050204" pitchFamily="34" charset="0"/>
+            </a:endParaRPr>
+          </a:p>
+        </p:txBody>
+      </p:sp>
+      <p:pic>
+        <p:nvPicPr>
+          <p:cNvPr id="3" name="그림 2">
+            <a:extLst>
+              <a:ext uri="{FF2B5EF4-FFF2-40B4-BE49-F238E27FC236}">
+                <a16:creationId xmlns:a16="http://schemas.microsoft.com/office/drawing/2014/main" id="{DDF5A319-03AF-48FC-9DCD-8F969EA96BE0}"/>
+              </a:ext>
+            </a:extLst>
+          </p:cNvPr>
+          <p:cNvPicPr>
+            <a:picLocks noChangeAspect="1"/>
+          </p:cNvPicPr>
+          <p:nvPr/>
+        </p:nvPicPr>
+        <p:blipFill>
+          <a:blip r:embed="rId2"/>
+          <a:stretch>
+            <a:fillRect/>
+          </a:stretch>
+        </p:blipFill>
+        <p:spPr>
+          <a:xfrm>
+            <a:off x="1073790" y="1832203"/>
+            <a:ext cx="5342200" cy="4538434"/>
+          </a:xfrm>
+          <a:prstGeom prst="rect">
+            <a:avLst/>
+          </a:prstGeom>
+        </p:spPr>
+      </p:pic>
+    </p:spTree>
+    <p:extLst>
+      <p:ext uri="{BB962C8B-B14F-4D97-AF65-F5344CB8AC3E}">
+        <p14:creationId xmlns:p14="http://schemas.microsoft.com/office/powerpoint/2010/main" val="622742644"/>
+      </p:ext>
+    </p:extLst>
+  </p:cSld>
+  <p:clrMapOvr>
+    <a:masterClrMapping/>
+  </p:clrMapOvr>
+  <mc:AlternateContent xmlns:mc="http://schemas.openxmlformats.org/markup-compatibility/2006">
+    <mc:Choice xmlns:p14="http://schemas.microsoft.com/office/powerpoint/2010/main" Requires="p14">
+      <p:transition spd="slow" p14:dur="1200">
+        <p14:prism/>
       </p:transition>
     </mc:Choice>
     <mc:Fallback>
@@ -6535,116 +7573,24 @@
                             </p:stCondLst>
                             <p:childTnLst>
                               <p:par>
-                                <p:cTn id="5" presetID="10" presetClass="entr" presetSubtype="0" fill="hold" grpId="0" nodeType="clickEffect">
-                                  <p:stCondLst>
-                                    <p:cond delay="1000"/>
-                                  </p:stCondLst>
-                                  <p:childTnLst>
-                                    <p:set>
-                                      <p:cBhvr>
-                                        <p:cTn id="6" dur="1" fill="hold">
-                                          <p:stCondLst>
-                                            <p:cond delay="0"/>
-                                          </p:stCondLst>
-                                        </p:cTn>
-                                        <p:tgtEl>
-                                          <p:spTgt spid="8"/>
-                                        </p:tgtEl>
-                                        <p:attrNameLst>
-                                          <p:attrName>style.visibility</p:attrName>
-                                        </p:attrNameLst>
-                                      </p:cBhvr>
-                                      <p:to>
-                                        <p:strVal val="visible"/>
-                                      </p:to>
-                                    </p:set>
-                                    <p:animEffect transition="in" filter="fade">
-                                      <p:cBhvr>
-                                        <p:cTn id="7" dur="500"/>
-                                        <p:tgtEl>
-                                          <p:spTgt spid="8"/>
-                                        </p:tgtEl>
-                                      </p:cBhvr>
-                                    </p:animEffect>
-                                  </p:childTnLst>
-                                </p:cTn>
-                              </p:par>
-                            </p:childTnLst>
-                          </p:cTn>
-                        </p:par>
-                        <p:par>
-                          <p:cTn id="8" fill="hold">
-                            <p:stCondLst>
-                              <p:cond delay="1500"/>
-                            </p:stCondLst>
-                            <p:childTnLst>
-                              <p:par>
-                                <p:cTn id="9" presetID="10" presetClass="entr" presetSubtype="0" fill="hold" grpId="0" nodeType="afterEffect">
-                                  <p:stCondLst>
-                                    <p:cond delay="0"/>
-                                  </p:stCondLst>
-                                  <p:iterate type="wd">
-                                    <p:tmPct val="10000"/>
-                                  </p:iterate>
-                                  <p:childTnLst>
-                                    <p:set>
-                                      <p:cBhvr>
-                                        <p:cTn id="10" dur="1" fill="hold">
-                                          <p:stCondLst>
-                                            <p:cond delay="0"/>
-                                          </p:stCondLst>
-                                        </p:cTn>
-                                        <p:tgtEl>
-                                          <p:spTgt spid="10"/>
-                                        </p:tgtEl>
-                                        <p:attrNameLst>
-                                          <p:attrName>style.visibility</p:attrName>
-                                        </p:attrNameLst>
-                                      </p:cBhvr>
-                                      <p:to>
-                                        <p:strVal val="visible"/>
-                                      </p:to>
-                                    </p:set>
-                                    <p:animEffect transition="in" filter="fade">
-                                      <p:cBhvr>
-                                        <p:cTn id="11" dur="1000"/>
-                                        <p:tgtEl>
-                                          <p:spTgt spid="10"/>
-                                        </p:tgtEl>
-                                      </p:cBhvr>
-                                    </p:animEffect>
-                                  </p:childTnLst>
-                                </p:cTn>
-                              </p:par>
-                            </p:childTnLst>
-                          </p:cTn>
-                        </p:par>
-                      </p:childTnLst>
-                    </p:cTn>
-                  </p:par>
-                  <p:par>
-                    <p:cTn id="12" fill="hold">
-                      <p:stCondLst>
-                        <p:cond delay="indefinite"/>
-                      </p:stCondLst>
-                      <p:childTnLst>
-                        <p:par>
-                          <p:cTn id="13" fill="hold">
-                            <p:stCondLst>
-                              <p:cond delay="0"/>
-                            </p:stCondLst>
-                            <p:childTnLst>
-                              <p:par>
-                                <p:cTn id="14" presetID="26" presetClass="entr" presetSubtype="0" fill="hold" grpId="0" nodeType="clickEffect">
+                                <p:cTn id="5" presetID="10" presetClass="exit" presetSubtype="0" fill="hold" nodeType="clickEffect">
                                   <p:stCondLst>
                                     <p:cond delay="0"/>
                                   </p:stCondLst>
                                   <p:childTnLst>
+                                    <p:animEffect transition="out" filter="fade">
+                                      <p:cBhvr>
+                                        <p:cTn id="6" dur="500"/>
+                                        <p:tgtEl>
+                                          <p:spTgt spid="3"/>
+                                        </p:tgtEl>
+                                      </p:cBhvr>
+                                    </p:animEffect>
                                     <p:set>
                                       <p:cBhvr>
-                                        <p:cTn id="15" dur="1" fill="hold">
+                                        <p:cTn id="7" dur="1" fill="hold">
                                           <p:stCondLst>
-                                            <p:cond delay="0"/>
+                                            <p:cond delay="499"/>
                                           </p:stCondLst>
                                         </p:cTn>
                                         <p:tgtEl>
@@ -6655,260 +7601,44 @@
                                         </p:attrNameLst>
                                       </p:cBhvr>
                                       <p:to>
-                                        <p:strVal val="visible"/>
+                                        <p:strVal val="hidden"/>
                                       </p:to>
                                     </p:set>
-                                    <p:animEffect transition="in" filter="wipe(down)">
+                                  </p:childTnLst>
+                                </p:cTn>
+                              </p:par>
+                              <p:par>
+                                <p:cTn id="8" presetID="10" presetClass="exit" presetSubtype="0" fill="hold" grpId="0" nodeType="withEffect">
+                                  <p:stCondLst>
+                                    <p:cond delay="0"/>
+                                  </p:stCondLst>
+                                  <p:childTnLst>
+                                    <p:animEffect transition="out" filter="fade">
                                       <p:cBhvr>
-                                        <p:cTn id="16" dur="580">
+                                        <p:cTn id="9" dur="500"/>
+                                        <p:tgtEl>
+                                          <p:spTgt spid="5"/>
+                                        </p:tgtEl>
+                                      </p:cBhvr>
+                                    </p:animEffect>
+                                    <p:set>
+                                      <p:cBhvr>
+                                        <p:cTn id="10" dur="1" fill="hold">
                                           <p:stCondLst>
-                                            <p:cond delay="0"/>
+                                            <p:cond delay="499"/>
                                           </p:stCondLst>
                                         </p:cTn>
                                         <p:tgtEl>
-                                          <p:spTgt spid="3"/>
-                                        </p:tgtEl>
-                                      </p:cBhvr>
-                                    </p:animEffect>
-                                    <p:anim calcmode="lin" valueType="num">
-                                      <p:cBhvr>
-                                        <p:cTn id="17" dur="1822" tmFilter="0,0; 0.14,0.36; 0.43,0.73; 0.71,0.91; 1.0,1.0">
-                                          <p:stCondLst>
-                                            <p:cond delay="0"/>
-                                          </p:stCondLst>
-                                        </p:cTn>
-                                        <p:tgtEl>
-                                          <p:spTgt spid="3"/>
+                                          <p:spTgt spid="5"/>
                                         </p:tgtEl>
                                         <p:attrNameLst>
-                                          <p:attrName>ppt_x</p:attrName>
+                                          <p:attrName>style.visibility</p:attrName>
                                         </p:attrNameLst>
                                       </p:cBhvr>
-                                      <p:tavLst>
-                                        <p:tav tm="0">
-                                          <p:val>
-                                            <p:strVal val="#ppt_x-0.25"/>
-                                          </p:val>
-                                        </p:tav>
-                                        <p:tav tm="100000">
-                                          <p:val>
-                                            <p:strVal val="#ppt_x"/>
-                                          </p:val>
-                                        </p:tav>
-                                      </p:tavLst>
-                                    </p:anim>
-                                    <p:anim calcmode="lin" valueType="num">
-                                      <p:cBhvr>
-                                        <p:cTn id="18" dur="664" tmFilter="0.0,0.0; 0.25,0.07; 0.50,0.2; 0.75,0.467; 1.0,1.0">
-                                          <p:stCondLst>
-                                            <p:cond delay="0"/>
-                                          </p:stCondLst>
-                                        </p:cTn>
-                                        <p:tgtEl>
-                                          <p:spTgt spid="3"/>
-                                        </p:tgtEl>
-                                        <p:attrNameLst>
-                                          <p:attrName>ppt_y</p:attrName>
-                                        </p:attrNameLst>
-                                      </p:cBhvr>
-                                      <p:tavLst>
-                                        <p:tav tm="0" fmla="#ppt_y-sin(pi*$)/3">
-                                          <p:val>
-                                            <p:fltVal val="0.5"/>
-                                          </p:val>
-                                        </p:tav>
-                                        <p:tav tm="100000">
-                                          <p:val>
-                                            <p:fltVal val="1"/>
-                                          </p:val>
-                                        </p:tav>
-                                      </p:tavLst>
-                                    </p:anim>
-                                    <p:anim calcmode="lin" valueType="num">
-                                      <p:cBhvr>
-                                        <p:cTn id="19" dur="664" tmFilter="0, 0; 0.125,0.2665; 0.25,0.4; 0.375,0.465; 0.5,0.5;  0.625,0.535; 0.75,0.6; 0.875,0.7335; 1,1">
-                                          <p:stCondLst>
-                                            <p:cond delay="664"/>
-                                          </p:stCondLst>
-                                        </p:cTn>
-                                        <p:tgtEl>
-                                          <p:spTgt spid="3"/>
-                                        </p:tgtEl>
-                                        <p:attrNameLst>
-                                          <p:attrName>ppt_y</p:attrName>
-                                        </p:attrNameLst>
-                                      </p:cBhvr>
-                                      <p:tavLst>
-                                        <p:tav tm="0" fmla="#ppt_y-sin(pi*$)/9">
-                                          <p:val>
-                                            <p:fltVal val="0"/>
-                                          </p:val>
-                                        </p:tav>
-                                        <p:tav tm="100000">
-                                          <p:val>
-                                            <p:fltVal val="1"/>
-                                          </p:val>
-                                        </p:tav>
-                                      </p:tavLst>
-                                    </p:anim>
-                                    <p:anim calcmode="lin" valueType="num">
-                                      <p:cBhvr>
-                                        <p:cTn id="20" dur="332" tmFilter="0, 0; 0.125,0.2665; 0.25,0.4; 0.375,0.465; 0.5,0.5;  0.625,0.535; 0.75,0.6; 0.875,0.7335; 1,1">
-                                          <p:stCondLst>
-                                            <p:cond delay="1324"/>
-                                          </p:stCondLst>
-                                        </p:cTn>
-                                        <p:tgtEl>
-                                          <p:spTgt spid="3"/>
-                                        </p:tgtEl>
-                                        <p:attrNameLst>
-                                          <p:attrName>ppt_y</p:attrName>
-                                        </p:attrNameLst>
-                                      </p:cBhvr>
-                                      <p:tavLst>
-                                        <p:tav tm="0" fmla="#ppt_y-sin(pi*$)/27">
-                                          <p:val>
-                                            <p:fltVal val="0"/>
-                                          </p:val>
-                                        </p:tav>
-                                        <p:tav tm="100000">
-                                          <p:val>
-                                            <p:fltVal val="1"/>
-                                          </p:val>
-                                        </p:tav>
-                                      </p:tavLst>
-                                    </p:anim>
-                                    <p:anim calcmode="lin" valueType="num">
-                                      <p:cBhvr>
-                                        <p:cTn id="21" dur="164" tmFilter="0, 0; 0.125,0.2665; 0.25,0.4; 0.375,0.465; 0.5,0.5;  0.625,0.535; 0.75,0.6; 0.875,0.7335; 1,1">
-                                          <p:stCondLst>
-                                            <p:cond delay="1656"/>
-                                          </p:stCondLst>
-                                        </p:cTn>
-                                        <p:tgtEl>
-                                          <p:spTgt spid="3"/>
-                                        </p:tgtEl>
-                                        <p:attrNameLst>
-                                          <p:attrName>ppt_y</p:attrName>
-                                        </p:attrNameLst>
-                                      </p:cBhvr>
-                                      <p:tavLst>
-                                        <p:tav tm="0" fmla="#ppt_y-sin(pi*$)/81">
-                                          <p:val>
-                                            <p:fltVal val="0"/>
-                                          </p:val>
-                                        </p:tav>
-                                        <p:tav tm="100000">
-                                          <p:val>
-                                            <p:fltVal val="1"/>
-                                          </p:val>
-                                        </p:tav>
-                                      </p:tavLst>
-                                    </p:anim>
-                                    <p:animScale>
-                                      <p:cBhvr>
-                                        <p:cTn id="22" dur="26">
-                                          <p:stCondLst>
-                                            <p:cond delay="650"/>
-                                          </p:stCondLst>
-                                        </p:cTn>
-                                        <p:tgtEl>
-                                          <p:spTgt spid="3"/>
-                                        </p:tgtEl>
-                                      </p:cBhvr>
-                                      <p:to x="100000" y="60000"/>
-                                    </p:animScale>
-                                    <p:animScale>
-                                      <p:cBhvr>
-                                        <p:cTn id="23" dur="166" decel="50000">
-                                          <p:stCondLst>
-                                            <p:cond delay="676"/>
-                                          </p:stCondLst>
-                                        </p:cTn>
-                                        <p:tgtEl>
-                                          <p:spTgt spid="3"/>
-                                        </p:tgtEl>
-                                      </p:cBhvr>
-                                      <p:to x="100000" y="100000"/>
-                                    </p:animScale>
-                                    <p:animScale>
-                                      <p:cBhvr>
-                                        <p:cTn id="24" dur="26">
-                                          <p:stCondLst>
-                                            <p:cond delay="1312"/>
-                                          </p:stCondLst>
-                                        </p:cTn>
-                                        <p:tgtEl>
-                                          <p:spTgt spid="3"/>
-                                        </p:tgtEl>
-                                      </p:cBhvr>
-                                      <p:to x="100000" y="80000"/>
-                                    </p:animScale>
-                                    <p:animScale>
-                                      <p:cBhvr>
-                                        <p:cTn id="25" dur="166" decel="50000">
-                                          <p:stCondLst>
-                                            <p:cond delay="1338"/>
-                                          </p:stCondLst>
-                                        </p:cTn>
-                                        <p:tgtEl>
-                                          <p:spTgt spid="3"/>
-                                        </p:tgtEl>
-                                      </p:cBhvr>
-                                      <p:to x="100000" y="100000"/>
-                                    </p:animScale>
-                                    <p:animScale>
-                                      <p:cBhvr>
-                                        <p:cTn id="26" dur="26">
-                                          <p:stCondLst>
-                                            <p:cond delay="1642"/>
-                                          </p:stCondLst>
-                                        </p:cTn>
-                                        <p:tgtEl>
-                                          <p:spTgt spid="3"/>
-                                        </p:tgtEl>
-                                      </p:cBhvr>
-                                      <p:to x="100000" y="90000"/>
-                                    </p:animScale>
-                                    <p:animScale>
-                                      <p:cBhvr>
-                                        <p:cTn id="27" dur="166" decel="50000">
-                                          <p:stCondLst>
-                                            <p:cond delay="1668"/>
-                                          </p:stCondLst>
-                                        </p:cTn>
-                                        <p:tgtEl>
-                                          <p:spTgt spid="3"/>
-                                        </p:tgtEl>
-                                      </p:cBhvr>
-                                      <p:to x="100000" y="100000"/>
-                                    </p:animScale>
-                                    <p:animScale>
-                                      <p:cBhvr>
-                                        <p:cTn id="28" dur="26">
-                                          <p:stCondLst>
-                                            <p:cond delay="1808"/>
-                                          </p:stCondLst>
-                                        </p:cTn>
-                                        <p:tgtEl>
-                                          <p:spTgt spid="3"/>
-                                        </p:tgtEl>
-                                      </p:cBhvr>
-                                      <p:to x="100000" y="95000"/>
-                                    </p:animScale>
-                                    <p:animScale>
-                                      <p:cBhvr>
-                                        <p:cTn id="29" dur="166" decel="50000">
-                                          <p:stCondLst>
-                                            <p:cond delay="1834"/>
-                                          </p:stCondLst>
-                                        </p:cTn>
-                                        <p:tgtEl>
-                                          <p:spTgt spid="3"/>
-                                        </p:tgtEl>
-                                      </p:cBhvr>
-                                      <p:to x="100000" y="100000"/>
-                                    </p:animScale>
+                                      <p:to>
+                                        <p:strVal val="hidden"/>
+                                      </p:to>
+                                    </p:set>
                                   </p:childTnLst>
                                 </p:cTn>
                               </p:par>
@@ -6940,9 +7670,7 @@
       </p:par>
     </p:tnLst>
     <p:bldLst>
-      <p:bldP spid="8" grpId="0"/>
-      <p:bldP spid="10" grpId="0"/>
-      <p:bldP spid="3" grpId="0" animBg="1"/>
+      <p:bldP spid="5" grpId="0" animBg="1"/>
     </p:bldLst>
   </p:timing>
 </p:sld>
